--- a/论文初稿/配图/论文用图.pptx
+++ b/论文初稿/配图/论文用图.pptx
@@ -8,6 +8,8 @@
     <p:sldId id="256" r:id="rId2"/>
     <p:sldId id="257" r:id="rId3"/>
     <p:sldId id="258" r:id="rId4"/>
+    <p:sldId id="259" r:id="rId5"/>
+    <p:sldId id="260" r:id="rId6"/>
   </p:sldIdLst>
   <p:sldSz cx="12192000" cy="6858000"/>
   <p:notesSz cx="6858000" cy="9144000"/>
@@ -261,7 +263,7 @@
           <a:p>
             <a:fld id="{B0A481C9-A10A-4899-889D-79F51DB4956A}" type="datetimeFigureOut">
               <a:rPr lang="zh-CN" altLang="en-US" smtClean="0"/>
-              <a:t>2021/2/17 Wednesday</a:t>
+              <a:t>2021/3/2 Tuesday</a:t>
             </a:fld>
             <a:endParaRPr lang="zh-CN" altLang="en-US"/>
           </a:p>
@@ -459,7 +461,7 @@
           <a:p>
             <a:fld id="{B0A481C9-A10A-4899-889D-79F51DB4956A}" type="datetimeFigureOut">
               <a:rPr lang="zh-CN" altLang="en-US" smtClean="0"/>
-              <a:t>2021/2/17 Wednesday</a:t>
+              <a:t>2021/3/2 Tuesday</a:t>
             </a:fld>
             <a:endParaRPr lang="zh-CN" altLang="en-US"/>
           </a:p>
@@ -667,7 +669,7 @@
           <a:p>
             <a:fld id="{B0A481C9-A10A-4899-889D-79F51DB4956A}" type="datetimeFigureOut">
               <a:rPr lang="zh-CN" altLang="en-US" smtClean="0"/>
-              <a:t>2021/2/17 Wednesday</a:t>
+              <a:t>2021/3/2 Tuesday</a:t>
             </a:fld>
             <a:endParaRPr lang="zh-CN" altLang="en-US"/>
           </a:p>
@@ -865,7 +867,7 @@
           <a:p>
             <a:fld id="{B0A481C9-A10A-4899-889D-79F51DB4956A}" type="datetimeFigureOut">
               <a:rPr lang="zh-CN" altLang="en-US" smtClean="0"/>
-              <a:t>2021/2/17 Wednesday</a:t>
+              <a:t>2021/3/2 Tuesday</a:t>
             </a:fld>
             <a:endParaRPr lang="zh-CN" altLang="en-US"/>
           </a:p>
@@ -1140,7 +1142,7 @@
           <a:p>
             <a:fld id="{B0A481C9-A10A-4899-889D-79F51DB4956A}" type="datetimeFigureOut">
               <a:rPr lang="zh-CN" altLang="en-US" smtClean="0"/>
-              <a:t>2021/2/17 Wednesday</a:t>
+              <a:t>2021/3/2 Tuesday</a:t>
             </a:fld>
             <a:endParaRPr lang="zh-CN" altLang="en-US"/>
           </a:p>
@@ -1405,7 +1407,7 @@
           <a:p>
             <a:fld id="{B0A481C9-A10A-4899-889D-79F51DB4956A}" type="datetimeFigureOut">
               <a:rPr lang="zh-CN" altLang="en-US" smtClean="0"/>
-              <a:t>2021/2/17 Wednesday</a:t>
+              <a:t>2021/3/2 Tuesday</a:t>
             </a:fld>
             <a:endParaRPr lang="zh-CN" altLang="en-US"/>
           </a:p>
@@ -1817,7 +1819,7 @@
           <a:p>
             <a:fld id="{B0A481C9-A10A-4899-889D-79F51DB4956A}" type="datetimeFigureOut">
               <a:rPr lang="zh-CN" altLang="en-US" smtClean="0"/>
-              <a:t>2021/2/17 Wednesday</a:t>
+              <a:t>2021/3/2 Tuesday</a:t>
             </a:fld>
             <a:endParaRPr lang="zh-CN" altLang="en-US"/>
           </a:p>
@@ -1958,7 +1960,7 @@
           <a:p>
             <a:fld id="{B0A481C9-A10A-4899-889D-79F51DB4956A}" type="datetimeFigureOut">
               <a:rPr lang="zh-CN" altLang="en-US" smtClean="0"/>
-              <a:t>2021/2/17 Wednesday</a:t>
+              <a:t>2021/3/2 Tuesday</a:t>
             </a:fld>
             <a:endParaRPr lang="zh-CN" altLang="en-US"/>
           </a:p>
@@ -2071,7 +2073,7 @@
           <a:p>
             <a:fld id="{B0A481C9-A10A-4899-889D-79F51DB4956A}" type="datetimeFigureOut">
               <a:rPr lang="zh-CN" altLang="en-US" smtClean="0"/>
-              <a:t>2021/2/17 Wednesday</a:t>
+              <a:t>2021/3/2 Tuesday</a:t>
             </a:fld>
             <a:endParaRPr lang="zh-CN" altLang="en-US"/>
           </a:p>
@@ -2382,7 +2384,7 @@
           <a:p>
             <a:fld id="{B0A481C9-A10A-4899-889D-79F51DB4956A}" type="datetimeFigureOut">
               <a:rPr lang="zh-CN" altLang="en-US" smtClean="0"/>
-              <a:t>2021/2/17 Wednesday</a:t>
+              <a:t>2021/3/2 Tuesday</a:t>
             </a:fld>
             <a:endParaRPr lang="zh-CN" altLang="en-US"/>
           </a:p>
@@ -2670,7 +2672,7 @@
           <a:p>
             <a:fld id="{B0A481C9-A10A-4899-889D-79F51DB4956A}" type="datetimeFigureOut">
               <a:rPr lang="zh-CN" altLang="en-US" smtClean="0"/>
-              <a:t>2021/2/17 Wednesday</a:t>
+              <a:t>2021/3/2 Tuesday</a:t>
             </a:fld>
             <a:endParaRPr lang="zh-CN" altLang="en-US"/>
           </a:p>
@@ -2911,7 +2913,7 @@
           <a:p>
             <a:fld id="{B0A481C9-A10A-4899-889D-79F51DB4956A}" type="datetimeFigureOut">
               <a:rPr lang="zh-CN" altLang="en-US" smtClean="0"/>
-              <a:t>2021/2/17 Wednesday</a:t>
+              <a:t>2021/3/2 Tuesday</a:t>
             </a:fld>
             <a:endParaRPr lang="zh-CN" altLang="en-US"/>
           </a:p>
@@ -9819,8 +9821,8 @@
           </a:fontRef>
         </p:style>
       </p:cxnSp>
-      <mc:AlternateContent xmlns:mc="http://schemas.openxmlformats.org/markup-compatibility/2006">
-        <mc:Choice xmlns:a14="http://schemas.microsoft.com/office/drawing/2010/main" Requires="a14">
+      <mc:AlternateContent xmlns:mc="http://schemas.openxmlformats.org/markup-compatibility/2006" xmlns:a14="http://schemas.microsoft.com/office/drawing/2010/main">
+        <mc:Choice Requires="a14">
           <p:sp>
             <p:nvSpPr>
               <p:cNvPr id="50" name="文本框 49">
@@ -9867,7 +9869,7 @@
             </p:txBody>
           </p:sp>
         </mc:Choice>
-        <mc:Fallback>
+        <mc:Fallback xmlns="">
           <p:sp>
             <p:nvSpPr>
               <p:cNvPr id="50" name="文本框 49">
@@ -9912,8 +9914,8 @@
           </p:sp>
         </mc:Fallback>
       </mc:AlternateContent>
-      <mc:AlternateContent xmlns:mc="http://schemas.openxmlformats.org/markup-compatibility/2006">
-        <mc:Choice xmlns:a14="http://schemas.microsoft.com/office/drawing/2010/main" Requires="a14">
+      <mc:AlternateContent xmlns:mc="http://schemas.openxmlformats.org/markup-compatibility/2006" xmlns:a14="http://schemas.microsoft.com/office/drawing/2010/main">
+        <mc:Choice Requires="a14">
           <p:sp>
             <p:nvSpPr>
               <p:cNvPr id="51" name="文本框 50">
@@ -9960,7 +9962,7 @@
             </p:txBody>
           </p:sp>
         </mc:Choice>
-        <mc:Fallback>
+        <mc:Fallback xmlns="">
           <p:sp>
             <p:nvSpPr>
               <p:cNvPr id="51" name="文本框 50">
@@ -10005,8 +10007,8 @@
           </p:sp>
         </mc:Fallback>
       </mc:AlternateContent>
-      <mc:AlternateContent xmlns:mc="http://schemas.openxmlformats.org/markup-compatibility/2006">
-        <mc:Choice xmlns:a14="http://schemas.microsoft.com/office/drawing/2010/main" Requires="a14">
+      <mc:AlternateContent xmlns:mc="http://schemas.openxmlformats.org/markup-compatibility/2006" xmlns:a14="http://schemas.microsoft.com/office/drawing/2010/main">
+        <mc:Choice Requires="a14">
           <p:sp>
             <p:nvSpPr>
               <p:cNvPr id="52" name="文本框 51">
@@ -10035,6 +10037,7 @@
               </a:bodyPr>
               <a:lstStyle/>
               <a:p>
+                <a:pPr/>
                 <a14:m>
                   <m:oMathPara xmlns:m="http://schemas.openxmlformats.org/officeDocument/2006/math">
                     <m:oMathParaPr>
@@ -10055,7 +10058,7 @@
             </p:txBody>
           </p:sp>
         </mc:Choice>
-        <mc:Fallback>
+        <mc:Fallback xmlns="">
           <p:sp>
             <p:nvSpPr>
               <p:cNvPr id="52" name="文本框 51">
@@ -10100,8 +10103,8 @@
           </p:sp>
         </mc:Fallback>
       </mc:AlternateContent>
-      <mc:AlternateContent xmlns:mc="http://schemas.openxmlformats.org/markup-compatibility/2006">
-        <mc:Choice xmlns:a14="http://schemas.microsoft.com/office/drawing/2010/main" Requires="a14">
+      <mc:AlternateContent xmlns:mc="http://schemas.openxmlformats.org/markup-compatibility/2006" xmlns:a14="http://schemas.microsoft.com/office/drawing/2010/main">
+        <mc:Choice Requires="a14">
           <p:sp>
             <p:nvSpPr>
               <p:cNvPr id="54" name="文本框 53">
@@ -10130,6 +10133,7 @@
               </a:bodyPr>
               <a:lstStyle/>
               <a:p>
+                <a:pPr/>
                 <a14:m>
                   <m:oMathPara xmlns:m="http://schemas.openxmlformats.org/officeDocument/2006/math">
                     <m:oMathParaPr>
@@ -10153,7 +10157,7 @@
             </p:txBody>
           </p:sp>
         </mc:Choice>
-        <mc:Fallback>
+        <mc:Fallback xmlns="">
           <p:sp>
             <p:nvSpPr>
               <p:cNvPr id="54" name="文本框 53">
@@ -10198,8 +10202,8 @@
           </p:sp>
         </mc:Fallback>
       </mc:AlternateContent>
-      <mc:AlternateContent xmlns:mc="http://schemas.openxmlformats.org/markup-compatibility/2006">
-        <mc:Choice xmlns:a14="http://schemas.microsoft.com/office/drawing/2010/main" Requires="a14">
+      <mc:AlternateContent xmlns:mc="http://schemas.openxmlformats.org/markup-compatibility/2006" xmlns:a14="http://schemas.microsoft.com/office/drawing/2010/main">
+        <mc:Choice Requires="a14">
           <p:sp>
             <p:nvSpPr>
               <p:cNvPr id="56" name="文本框 55">
@@ -10228,6 +10232,7 @@
               </a:bodyPr>
               <a:lstStyle/>
               <a:p>
+                <a:pPr/>
                 <a14:m>
                   <m:oMathPara xmlns:m="http://schemas.openxmlformats.org/officeDocument/2006/math">
                     <m:oMathParaPr>
@@ -10290,7 +10295,7 @@
             </p:txBody>
           </p:sp>
         </mc:Choice>
-        <mc:Fallback>
+        <mc:Fallback xmlns="">
           <p:sp>
             <p:nvSpPr>
               <p:cNvPr id="56" name="文本框 55">
@@ -10335,8 +10340,8 @@
           </p:sp>
         </mc:Fallback>
       </mc:AlternateContent>
-      <mc:AlternateContent xmlns:mc="http://schemas.openxmlformats.org/markup-compatibility/2006">
-        <mc:Choice xmlns:a14="http://schemas.microsoft.com/office/drawing/2010/main" Requires="a14">
+      <mc:AlternateContent xmlns:mc="http://schemas.openxmlformats.org/markup-compatibility/2006" xmlns:a14="http://schemas.microsoft.com/office/drawing/2010/main">
+        <mc:Choice Requires="a14">
           <p:sp>
             <p:nvSpPr>
               <p:cNvPr id="57" name="文本框 56">
@@ -10365,6 +10370,7 @@
               </a:bodyPr>
               <a:lstStyle/>
               <a:p>
+                <a:pPr/>
                 <a14:m>
                   <m:oMathPara xmlns:m="http://schemas.openxmlformats.org/officeDocument/2006/math">
                     <m:oMathParaPr>
@@ -10418,7 +10424,7 @@
             </p:txBody>
           </p:sp>
         </mc:Choice>
-        <mc:Fallback>
+        <mc:Fallback xmlns="">
           <p:sp>
             <p:nvSpPr>
               <p:cNvPr id="57" name="文本框 56">
@@ -10613,6 +10619,836 @@
     <p:extLst>
       <p:ext uri="{BB962C8B-B14F-4D97-AF65-F5344CB8AC3E}">
         <p14:creationId xmlns:p14="http://schemas.microsoft.com/office/powerpoint/2010/main" val="3089190023"/>
+      </p:ext>
+    </p:extLst>
+  </p:cSld>
+  <p:clrMapOvr>
+    <a:masterClrMapping/>
+  </p:clrMapOvr>
+</p:sld>
+</file>
+
+<file path=ppt/slides/slide4.xml><?xml version="1.0" encoding="utf-8"?>
+<p:sld xmlns:a="http://schemas.openxmlformats.org/drawingml/2006/main" xmlns:r="http://schemas.openxmlformats.org/officeDocument/2006/relationships" xmlns:p="http://schemas.openxmlformats.org/presentationml/2006/main">
+  <p:cSld>
+    <p:spTree>
+      <p:nvGrpSpPr>
+        <p:cNvPr id="1" name=""/>
+        <p:cNvGrpSpPr/>
+        <p:nvPr/>
+      </p:nvGrpSpPr>
+      <p:grpSpPr>
+        <a:xfrm>
+          <a:off x="0" y="0"/>
+          <a:ext cx="0" cy="0"/>
+          <a:chOff x="0" y="0"/>
+          <a:chExt cx="0" cy="0"/>
+        </a:xfrm>
+      </p:grpSpPr>
+      <p:sp>
+        <p:nvSpPr>
+          <p:cNvPr id="4" name="矩形 3">
+            <a:extLst>
+              <a:ext uri="{FF2B5EF4-FFF2-40B4-BE49-F238E27FC236}">
+                <a16:creationId xmlns:a16="http://schemas.microsoft.com/office/drawing/2014/main" id="{AD7F739D-4C30-4282-954D-2D9AA2BADC5A}"/>
+              </a:ext>
+            </a:extLst>
+          </p:cNvPr>
+          <p:cNvSpPr/>
+          <p:nvPr/>
+        </p:nvSpPr>
+        <p:spPr>
+          <a:xfrm>
+            <a:off x="2139518" y="1748901"/>
+            <a:ext cx="1864311" cy="2441359"/>
+          </a:xfrm>
+          <a:prstGeom prst="rect">
+            <a:avLst/>
+          </a:prstGeom>
+          <a:noFill/>
+          <a:ln w="57150">
+            <a:solidFill>
+              <a:srgbClr val="FF0000"/>
+            </a:solidFill>
+          </a:ln>
+        </p:spPr>
+        <p:style>
+          <a:lnRef idx="2">
+            <a:schemeClr val="accent1">
+              <a:shade val="50000"/>
+            </a:schemeClr>
+          </a:lnRef>
+          <a:fillRef idx="1">
+            <a:schemeClr val="accent1"/>
+          </a:fillRef>
+          <a:effectRef idx="0">
+            <a:schemeClr val="accent1"/>
+          </a:effectRef>
+          <a:fontRef idx="minor">
+            <a:schemeClr val="lt1"/>
+          </a:fontRef>
+        </p:style>
+        <p:txBody>
+          <a:bodyPr rtlCol="0" anchor="ctr"/>
+          <a:lstStyle/>
+          <a:p>
+            <a:pPr algn="ctr"/>
+            <a:endParaRPr lang="zh-CN" altLang="en-US" dirty="0"/>
+          </a:p>
+        </p:txBody>
+      </p:sp>
+      <p:sp>
+        <p:nvSpPr>
+          <p:cNvPr id="5" name="矩形 4">
+            <a:extLst>
+              <a:ext uri="{FF2B5EF4-FFF2-40B4-BE49-F238E27FC236}">
+                <a16:creationId xmlns:a16="http://schemas.microsoft.com/office/drawing/2014/main" id="{FF3D0C53-E58D-49AD-A54D-0C7128492797}"/>
+              </a:ext>
+            </a:extLst>
+          </p:cNvPr>
+          <p:cNvSpPr/>
+          <p:nvPr/>
+        </p:nvSpPr>
+        <p:spPr>
+          <a:xfrm>
+            <a:off x="2929630" y="987641"/>
+            <a:ext cx="1864311" cy="2441359"/>
+          </a:xfrm>
+          <a:prstGeom prst="rect">
+            <a:avLst/>
+          </a:prstGeom>
+          <a:noFill/>
+          <a:ln w="57150">
+            <a:solidFill>
+              <a:srgbClr val="00B050"/>
+            </a:solidFill>
+          </a:ln>
+        </p:spPr>
+        <p:style>
+          <a:lnRef idx="2">
+            <a:schemeClr val="accent1">
+              <a:shade val="50000"/>
+            </a:schemeClr>
+          </a:lnRef>
+          <a:fillRef idx="1">
+            <a:schemeClr val="accent1"/>
+          </a:fillRef>
+          <a:effectRef idx="0">
+            <a:schemeClr val="accent1"/>
+          </a:effectRef>
+          <a:fontRef idx="minor">
+            <a:schemeClr val="lt1"/>
+          </a:fontRef>
+        </p:style>
+        <p:txBody>
+          <a:bodyPr rtlCol="0" anchor="ctr"/>
+          <a:lstStyle/>
+          <a:p>
+            <a:pPr algn="ctr"/>
+            <a:endParaRPr lang="zh-CN" altLang="en-US" dirty="0"/>
+          </a:p>
+        </p:txBody>
+      </p:sp>
+      <p:sp>
+        <p:nvSpPr>
+          <p:cNvPr id="6" name="矩形 5">
+            <a:extLst>
+              <a:ext uri="{FF2B5EF4-FFF2-40B4-BE49-F238E27FC236}">
+                <a16:creationId xmlns:a16="http://schemas.microsoft.com/office/drawing/2014/main" id="{2DDE79F3-E6BC-412A-B745-52A6DCA876CF}"/>
+              </a:ext>
+            </a:extLst>
+          </p:cNvPr>
+          <p:cNvSpPr/>
+          <p:nvPr/>
+        </p:nvSpPr>
+        <p:spPr>
+          <a:xfrm>
+            <a:off x="7920360" y="1748901"/>
+            <a:ext cx="1864311" cy="2441359"/>
+          </a:xfrm>
+          <a:prstGeom prst="rect">
+            <a:avLst/>
+          </a:prstGeom>
+          <a:noFill/>
+          <a:ln w="57150">
+            <a:solidFill>
+              <a:srgbClr val="FF0000"/>
+            </a:solidFill>
+          </a:ln>
+        </p:spPr>
+        <p:style>
+          <a:lnRef idx="2">
+            <a:schemeClr val="accent1">
+              <a:shade val="50000"/>
+            </a:schemeClr>
+          </a:lnRef>
+          <a:fillRef idx="1">
+            <a:schemeClr val="accent1"/>
+          </a:fillRef>
+          <a:effectRef idx="0">
+            <a:schemeClr val="accent1"/>
+          </a:effectRef>
+          <a:fontRef idx="minor">
+            <a:schemeClr val="lt1"/>
+          </a:fontRef>
+        </p:style>
+        <p:txBody>
+          <a:bodyPr rtlCol="0" anchor="ctr"/>
+          <a:lstStyle/>
+          <a:p>
+            <a:pPr algn="ctr"/>
+            <a:endParaRPr lang="zh-CN" altLang="en-US" dirty="0"/>
+          </a:p>
+        </p:txBody>
+      </p:sp>
+      <p:sp>
+        <p:nvSpPr>
+          <p:cNvPr id="7" name="矩形 6">
+            <a:extLst>
+              <a:ext uri="{FF2B5EF4-FFF2-40B4-BE49-F238E27FC236}">
+                <a16:creationId xmlns:a16="http://schemas.microsoft.com/office/drawing/2014/main" id="{A383C746-62DC-4C6B-AD72-A4CBFADA435A}"/>
+              </a:ext>
+            </a:extLst>
+          </p:cNvPr>
+          <p:cNvSpPr/>
+          <p:nvPr/>
+        </p:nvSpPr>
+        <p:spPr>
+          <a:xfrm>
+            <a:off x="6641975" y="1748900"/>
+            <a:ext cx="1864311" cy="2441359"/>
+          </a:xfrm>
+          <a:prstGeom prst="rect">
+            <a:avLst/>
+          </a:prstGeom>
+          <a:noFill/>
+          <a:ln w="57150">
+            <a:solidFill>
+              <a:srgbClr val="00B050"/>
+            </a:solidFill>
+          </a:ln>
+        </p:spPr>
+        <p:style>
+          <a:lnRef idx="2">
+            <a:schemeClr val="accent1">
+              <a:shade val="50000"/>
+            </a:schemeClr>
+          </a:lnRef>
+          <a:fillRef idx="1">
+            <a:schemeClr val="accent1"/>
+          </a:fillRef>
+          <a:effectRef idx="0">
+            <a:schemeClr val="accent1"/>
+          </a:effectRef>
+          <a:fontRef idx="minor">
+            <a:schemeClr val="lt1"/>
+          </a:fontRef>
+        </p:style>
+        <p:txBody>
+          <a:bodyPr rtlCol="0" anchor="ctr"/>
+          <a:lstStyle/>
+          <a:p>
+            <a:pPr algn="ctr"/>
+            <a:endParaRPr lang="zh-CN" altLang="en-US" dirty="0"/>
+          </a:p>
+        </p:txBody>
+      </p:sp>
+      <p:sp>
+        <p:nvSpPr>
+          <p:cNvPr id="2" name="文本框 1">
+            <a:extLst>
+              <a:ext uri="{FF2B5EF4-FFF2-40B4-BE49-F238E27FC236}">
+                <a16:creationId xmlns:a16="http://schemas.microsoft.com/office/drawing/2014/main" id="{F8408724-EA07-4676-B1BE-17992765156C}"/>
+              </a:ext>
+            </a:extLst>
+          </p:cNvPr>
+          <p:cNvSpPr txBox="1"/>
+          <p:nvPr/>
+        </p:nvSpPr>
+        <p:spPr>
+          <a:xfrm>
+            <a:off x="2929630" y="4456590"/>
+            <a:ext cx="2068497" cy="369332"/>
+          </a:xfrm>
+          <a:prstGeom prst="rect">
+            <a:avLst/>
+          </a:prstGeom>
+          <a:noFill/>
+        </p:spPr>
+        <p:txBody>
+          <a:bodyPr wrap="square" rtlCol="0">
+            <a:spAutoFit/>
+          </a:bodyPr>
+          <a:lstStyle/>
+          <a:p>
+            <a:r>
+              <a:rPr lang="en-US" altLang="zh-CN" b="1" dirty="0">
+                <a:latin typeface="Times New Roman" panose="02020603050405020304" pitchFamily="18" charset="0"/>
+                <a:ea typeface="华文中宋" panose="02010600040101010101" pitchFamily="2" charset="-122"/>
+                <a:cs typeface="Times New Roman" panose="02020603050405020304" pitchFamily="18" charset="0"/>
+              </a:rPr>
+              <a:t>IOU=0.4</a:t>
+            </a:r>
+            <a:endParaRPr lang="zh-CN" altLang="en-US" b="1" dirty="0">
+              <a:latin typeface="Times New Roman" panose="02020603050405020304" pitchFamily="18" charset="0"/>
+              <a:ea typeface="华文中宋" panose="02010600040101010101" pitchFamily="2" charset="-122"/>
+              <a:cs typeface="Times New Roman" panose="02020603050405020304" pitchFamily="18" charset="0"/>
+            </a:endParaRPr>
+          </a:p>
+        </p:txBody>
+      </p:sp>
+      <p:sp>
+        <p:nvSpPr>
+          <p:cNvPr id="8" name="文本框 7">
+            <a:extLst>
+              <a:ext uri="{FF2B5EF4-FFF2-40B4-BE49-F238E27FC236}">
+                <a16:creationId xmlns:a16="http://schemas.microsoft.com/office/drawing/2014/main" id="{973B7793-DE7F-4561-8E3A-9149B7183068}"/>
+              </a:ext>
+            </a:extLst>
+          </p:cNvPr>
+          <p:cNvSpPr txBox="1"/>
+          <p:nvPr/>
+        </p:nvSpPr>
+        <p:spPr>
+          <a:xfrm>
+            <a:off x="7574130" y="4456590"/>
+            <a:ext cx="2068497" cy="369332"/>
+          </a:xfrm>
+          <a:prstGeom prst="rect">
+            <a:avLst/>
+          </a:prstGeom>
+          <a:noFill/>
+        </p:spPr>
+        <p:txBody>
+          <a:bodyPr wrap="square" rtlCol="0">
+            <a:spAutoFit/>
+          </a:bodyPr>
+          <a:lstStyle/>
+          <a:p>
+            <a:r>
+              <a:rPr lang="en-US" altLang="zh-CN" b="1" dirty="0">
+                <a:latin typeface="Times New Roman" panose="02020603050405020304" pitchFamily="18" charset="0"/>
+                <a:ea typeface="华文中宋" panose="02010600040101010101" pitchFamily="2" charset="-122"/>
+                <a:cs typeface="Times New Roman" panose="02020603050405020304" pitchFamily="18" charset="0"/>
+              </a:rPr>
+              <a:t>IOU=0.4</a:t>
+            </a:r>
+            <a:endParaRPr lang="zh-CN" altLang="en-US" b="1" dirty="0">
+              <a:latin typeface="Times New Roman" panose="02020603050405020304" pitchFamily="18" charset="0"/>
+              <a:ea typeface="华文中宋" panose="02010600040101010101" pitchFamily="2" charset="-122"/>
+              <a:cs typeface="Times New Roman" panose="02020603050405020304" pitchFamily="18" charset="0"/>
+            </a:endParaRPr>
+          </a:p>
+        </p:txBody>
+      </p:sp>
+    </p:spTree>
+    <p:extLst>
+      <p:ext uri="{BB962C8B-B14F-4D97-AF65-F5344CB8AC3E}">
+        <p14:creationId xmlns:p14="http://schemas.microsoft.com/office/powerpoint/2010/main" val="2648175727"/>
+      </p:ext>
+    </p:extLst>
+  </p:cSld>
+  <p:clrMapOvr>
+    <a:masterClrMapping/>
+  </p:clrMapOvr>
+</p:sld>
+</file>
+
+<file path=ppt/slides/slide5.xml><?xml version="1.0" encoding="utf-8"?>
+<p:sld xmlns:a="http://schemas.openxmlformats.org/drawingml/2006/main" xmlns:r="http://schemas.openxmlformats.org/officeDocument/2006/relationships" xmlns:p="http://schemas.openxmlformats.org/presentationml/2006/main">
+  <p:cSld>
+    <p:spTree>
+      <p:nvGrpSpPr>
+        <p:cNvPr id="1" name=""/>
+        <p:cNvGrpSpPr/>
+        <p:nvPr/>
+      </p:nvGrpSpPr>
+      <p:grpSpPr>
+        <a:xfrm>
+          <a:off x="0" y="0"/>
+          <a:ext cx="0" cy="0"/>
+          <a:chOff x="0" y="0"/>
+          <a:chExt cx="0" cy="0"/>
+        </a:xfrm>
+      </p:grpSpPr>
+      <p:sp>
+        <p:nvSpPr>
+          <p:cNvPr id="4" name="矩形 3">
+            <a:extLst>
+              <a:ext uri="{FF2B5EF4-FFF2-40B4-BE49-F238E27FC236}">
+                <a16:creationId xmlns:a16="http://schemas.microsoft.com/office/drawing/2014/main" id="{AD7F739D-4C30-4282-954D-2D9AA2BADC5A}"/>
+              </a:ext>
+            </a:extLst>
+          </p:cNvPr>
+          <p:cNvSpPr/>
+          <p:nvPr/>
+        </p:nvSpPr>
+        <p:spPr>
+          <a:xfrm>
+            <a:off x="2139518" y="1748901"/>
+            <a:ext cx="1864311" cy="2441359"/>
+          </a:xfrm>
+          <a:prstGeom prst="rect">
+            <a:avLst/>
+          </a:prstGeom>
+          <a:noFill/>
+          <a:ln w="57150">
+            <a:solidFill>
+              <a:srgbClr val="FF0000"/>
+            </a:solidFill>
+          </a:ln>
+        </p:spPr>
+        <p:style>
+          <a:lnRef idx="2">
+            <a:schemeClr val="accent1">
+              <a:shade val="50000"/>
+            </a:schemeClr>
+          </a:lnRef>
+          <a:fillRef idx="1">
+            <a:schemeClr val="accent1"/>
+          </a:fillRef>
+          <a:effectRef idx="0">
+            <a:schemeClr val="accent1"/>
+          </a:effectRef>
+          <a:fontRef idx="minor">
+            <a:schemeClr val="lt1"/>
+          </a:fontRef>
+        </p:style>
+        <p:txBody>
+          <a:bodyPr rtlCol="0" anchor="ctr"/>
+          <a:lstStyle/>
+          <a:p>
+            <a:pPr algn="ctr"/>
+            <a:endParaRPr lang="zh-CN" altLang="en-US" dirty="0"/>
+          </a:p>
+        </p:txBody>
+      </p:sp>
+      <p:sp>
+        <p:nvSpPr>
+          <p:cNvPr id="5" name="矩形 4">
+            <a:extLst>
+              <a:ext uri="{FF2B5EF4-FFF2-40B4-BE49-F238E27FC236}">
+                <a16:creationId xmlns:a16="http://schemas.microsoft.com/office/drawing/2014/main" id="{FF3D0C53-E58D-49AD-A54D-0C7128492797}"/>
+              </a:ext>
+            </a:extLst>
+          </p:cNvPr>
+          <p:cNvSpPr/>
+          <p:nvPr/>
+        </p:nvSpPr>
+        <p:spPr>
+          <a:xfrm>
+            <a:off x="2929630" y="987641"/>
+            <a:ext cx="1864311" cy="2441359"/>
+          </a:xfrm>
+          <a:prstGeom prst="rect">
+            <a:avLst/>
+          </a:prstGeom>
+          <a:noFill/>
+          <a:ln w="57150">
+            <a:solidFill>
+              <a:srgbClr val="00B050"/>
+            </a:solidFill>
+          </a:ln>
+        </p:spPr>
+        <p:style>
+          <a:lnRef idx="2">
+            <a:schemeClr val="accent1">
+              <a:shade val="50000"/>
+            </a:schemeClr>
+          </a:lnRef>
+          <a:fillRef idx="1">
+            <a:schemeClr val="accent1"/>
+          </a:fillRef>
+          <a:effectRef idx="0">
+            <a:schemeClr val="accent1"/>
+          </a:effectRef>
+          <a:fontRef idx="minor">
+            <a:schemeClr val="lt1"/>
+          </a:fontRef>
+        </p:style>
+        <p:txBody>
+          <a:bodyPr rtlCol="0" anchor="ctr"/>
+          <a:lstStyle/>
+          <a:p>
+            <a:pPr algn="ctr"/>
+            <a:endParaRPr lang="zh-CN" altLang="en-US" dirty="0"/>
+          </a:p>
+        </p:txBody>
+      </p:sp>
+      <p:sp>
+        <p:nvSpPr>
+          <p:cNvPr id="2" name="文本框 1">
+            <a:extLst>
+              <a:ext uri="{FF2B5EF4-FFF2-40B4-BE49-F238E27FC236}">
+                <a16:creationId xmlns:a16="http://schemas.microsoft.com/office/drawing/2014/main" id="{F8408724-EA07-4676-B1BE-17992765156C}"/>
+              </a:ext>
+            </a:extLst>
+          </p:cNvPr>
+          <p:cNvSpPr txBox="1"/>
+          <p:nvPr/>
+        </p:nvSpPr>
+        <p:spPr>
+          <a:xfrm>
+            <a:off x="2827536" y="5224038"/>
+            <a:ext cx="2068497" cy="369332"/>
+          </a:xfrm>
+          <a:prstGeom prst="rect">
+            <a:avLst/>
+          </a:prstGeom>
+          <a:noFill/>
+        </p:spPr>
+        <p:txBody>
+          <a:bodyPr wrap="square" rtlCol="0">
+            <a:spAutoFit/>
+          </a:bodyPr>
+          <a:lstStyle/>
+          <a:p>
+            <a:r>
+              <a:rPr lang="en-US" altLang="zh-CN" b="1" dirty="0">
+                <a:latin typeface="Times New Roman" panose="02020603050405020304" pitchFamily="18" charset="0"/>
+                <a:ea typeface="华文中宋" panose="02010600040101010101" pitchFamily="2" charset="-122"/>
+                <a:cs typeface="Times New Roman" panose="02020603050405020304" pitchFamily="18" charset="0"/>
+              </a:rPr>
+              <a:t>IOU=0.4</a:t>
+            </a:r>
+            <a:endParaRPr lang="zh-CN" altLang="en-US" b="1" dirty="0">
+              <a:latin typeface="Times New Roman" panose="02020603050405020304" pitchFamily="18" charset="0"/>
+              <a:ea typeface="华文中宋" panose="02010600040101010101" pitchFamily="2" charset="-122"/>
+              <a:cs typeface="Times New Roman" panose="02020603050405020304" pitchFamily="18" charset="0"/>
+            </a:endParaRPr>
+          </a:p>
+        </p:txBody>
+      </p:sp>
+      <p:sp>
+        <p:nvSpPr>
+          <p:cNvPr id="9" name="矩形 8">
+            <a:extLst>
+              <a:ext uri="{FF2B5EF4-FFF2-40B4-BE49-F238E27FC236}">
+                <a16:creationId xmlns:a16="http://schemas.microsoft.com/office/drawing/2014/main" id="{F234F552-218A-4182-BFEC-C182AA83CA52}"/>
+              </a:ext>
+            </a:extLst>
+          </p:cNvPr>
+          <p:cNvSpPr/>
+          <p:nvPr/>
+        </p:nvSpPr>
+        <p:spPr>
+          <a:xfrm>
+            <a:off x="2068497" y="923278"/>
+            <a:ext cx="2787587" cy="3346881"/>
+          </a:xfrm>
+          <a:prstGeom prst="rect">
+            <a:avLst/>
+          </a:prstGeom>
+          <a:noFill/>
+          <a:ln w="57150">
+            <a:solidFill>
+              <a:srgbClr val="00B0F0"/>
+            </a:solidFill>
+          </a:ln>
+        </p:spPr>
+        <p:style>
+          <a:lnRef idx="2">
+            <a:schemeClr val="accent1">
+              <a:shade val="50000"/>
+            </a:schemeClr>
+          </a:lnRef>
+          <a:fillRef idx="1">
+            <a:schemeClr val="accent1"/>
+          </a:fillRef>
+          <a:effectRef idx="0">
+            <a:schemeClr val="accent1"/>
+          </a:effectRef>
+          <a:fontRef idx="minor">
+            <a:schemeClr val="lt1"/>
+          </a:fontRef>
+        </p:style>
+        <p:txBody>
+          <a:bodyPr rtlCol="0" anchor="ctr"/>
+          <a:lstStyle/>
+          <a:p>
+            <a:pPr algn="ctr"/>
+            <a:endParaRPr lang="zh-CN" altLang="en-US" dirty="0"/>
+          </a:p>
+        </p:txBody>
+      </p:sp>
+      <p:cxnSp>
+        <p:nvCxnSpPr>
+          <p:cNvPr id="11" name="直接箭头连接符 10">
+            <a:extLst>
+              <a:ext uri="{FF2B5EF4-FFF2-40B4-BE49-F238E27FC236}">
+                <a16:creationId xmlns:a16="http://schemas.microsoft.com/office/drawing/2014/main" id="{FA7202D1-2176-4B92-A799-46DB6C9792ED}"/>
+              </a:ext>
+            </a:extLst>
+          </p:cNvPr>
+          <p:cNvCxnSpPr>
+            <a:cxnSpLocks/>
+          </p:cNvCxnSpPr>
+          <p:nvPr/>
+        </p:nvCxnSpPr>
+        <p:spPr>
+          <a:xfrm flipH="1">
+            <a:off x="2139518" y="987641"/>
+            <a:ext cx="2654424" cy="3202618"/>
+          </a:xfrm>
+          <a:prstGeom prst="straightConnector1">
+            <a:avLst/>
+          </a:prstGeom>
+          <a:ln w="57150">
+            <a:solidFill>
+              <a:srgbClr val="00B0F0"/>
+            </a:solidFill>
+            <a:headEnd type="triangle"/>
+            <a:tailEnd type="triangle"/>
+          </a:ln>
+        </p:spPr>
+        <p:style>
+          <a:lnRef idx="1">
+            <a:schemeClr val="accent1"/>
+          </a:lnRef>
+          <a:fillRef idx="0">
+            <a:schemeClr val="accent1"/>
+          </a:fillRef>
+          <a:effectRef idx="0">
+            <a:schemeClr val="accent1"/>
+          </a:effectRef>
+          <a:fontRef idx="minor">
+            <a:schemeClr val="tx1"/>
+          </a:fontRef>
+        </p:style>
+      </p:cxnSp>
+      <p:cxnSp>
+        <p:nvCxnSpPr>
+          <p:cNvPr id="15" name="直接箭头连接符 14">
+            <a:extLst>
+              <a:ext uri="{FF2B5EF4-FFF2-40B4-BE49-F238E27FC236}">
+                <a16:creationId xmlns:a16="http://schemas.microsoft.com/office/drawing/2014/main" id="{66E31D69-7A83-40F9-909D-3ACE3051EFD8}"/>
+              </a:ext>
+            </a:extLst>
+          </p:cNvPr>
+          <p:cNvCxnSpPr>
+            <a:cxnSpLocks/>
+          </p:cNvCxnSpPr>
+          <p:nvPr/>
+        </p:nvCxnSpPr>
+        <p:spPr>
+          <a:xfrm flipV="1">
+            <a:off x="3027285" y="2308195"/>
+            <a:ext cx="905523" cy="603681"/>
+          </a:xfrm>
+          <a:prstGeom prst="straightConnector1">
+            <a:avLst/>
+          </a:prstGeom>
+          <a:ln w="57150">
+            <a:solidFill>
+              <a:srgbClr val="FF0000"/>
+            </a:solidFill>
+            <a:headEnd type="triangle"/>
+            <a:tailEnd type="triangle"/>
+          </a:ln>
+        </p:spPr>
+        <p:style>
+          <a:lnRef idx="1">
+            <a:schemeClr val="accent1"/>
+          </a:lnRef>
+          <a:fillRef idx="0">
+            <a:schemeClr val="accent1"/>
+          </a:fillRef>
+          <a:effectRef idx="0">
+            <a:schemeClr val="accent1"/>
+          </a:effectRef>
+          <a:fontRef idx="minor">
+            <a:schemeClr val="tx1"/>
+          </a:fontRef>
+        </p:style>
+      </p:cxnSp>
+      <p:cxnSp>
+        <p:nvCxnSpPr>
+          <p:cNvPr id="18" name="直接箭头连接符 17">
+            <a:extLst>
+              <a:ext uri="{FF2B5EF4-FFF2-40B4-BE49-F238E27FC236}">
+                <a16:creationId xmlns:a16="http://schemas.microsoft.com/office/drawing/2014/main" id="{2B037802-6141-424E-BD6F-9BBB9F811833}"/>
+              </a:ext>
+            </a:extLst>
+          </p:cNvPr>
+          <p:cNvCxnSpPr>
+            <a:cxnSpLocks/>
+          </p:cNvCxnSpPr>
+          <p:nvPr/>
+        </p:nvCxnSpPr>
+        <p:spPr>
+          <a:xfrm flipH="1">
+            <a:off x="1981197" y="4587532"/>
+            <a:ext cx="646593" cy="0"/>
+          </a:xfrm>
+          <a:prstGeom prst="straightConnector1">
+            <a:avLst/>
+          </a:prstGeom>
+          <a:ln w="57150">
+            <a:solidFill>
+              <a:srgbClr val="00B0F0"/>
+            </a:solidFill>
+            <a:headEnd type="triangle"/>
+            <a:tailEnd type="triangle"/>
+          </a:ln>
+        </p:spPr>
+        <p:style>
+          <a:lnRef idx="1">
+            <a:schemeClr val="accent1"/>
+          </a:lnRef>
+          <a:fillRef idx="0">
+            <a:schemeClr val="accent1"/>
+          </a:fillRef>
+          <a:effectRef idx="0">
+            <a:schemeClr val="accent1"/>
+          </a:effectRef>
+          <a:fontRef idx="minor">
+            <a:schemeClr val="tx1"/>
+          </a:fontRef>
+        </p:style>
+      </p:cxnSp>
+      <p:cxnSp>
+        <p:nvCxnSpPr>
+          <p:cNvPr id="20" name="直接箭头连接符 19">
+            <a:extLst>
+              <a:ext uri="{FF2B5EF4-FFF2-40B4-BE49-F238E27FC236}">
+                <a16:creationId xmlns:a16="http://schemas.microsoft.com/office/drawing/2014/main" id="{5B175FA6-6114-47CC-8322-3B3A20A45CD8}"/>
+              </a:ext>
+            </a:extLst>
+          </p:cNvPr>
+          <p:cNvCxnSpPr>
+            <a:cxnSpLocks/>
+          </p:cNvCxnSpPr>
+          <p:nvPr/>
+        </p:nvCxnSpPr>
+        <p:spPr>
+          <a:xfrm flipH="1">
+            <a:off x="1981196" y="4926363"/>
+            <a:ext cx="646593" cy="0"/>
+          </a:xfrm>
+          <a:prstGeom prst="straightConnector1">
+            <a:avLst/>
+          </a:prstGeom>
+          <a:ln w="57150">
+            <a:solidFill>
+              <a:srgbClr val="FF0000"/>
+            </a:solidFill>
+            <a:headEnd type="triangle"/>
+            <a:tailEnd type="triangle"/>
+          </a:ln>
+        </p:spPr>
+        <p:style>
+          <a:lnRef idx="1">
+            <a:schemeClr val="accent1"/>
+          </a:lnRef>
+          <a:fillRef idx="0">
+            <a:schemeClr val="accent1"/>
+          </a:fillRef>
+          <a:effectRef idx="0">
+            <a:schemeClr val="accent1"/>
+          </a:effectRef>
+          <a:fontRef idx="minor">
+            <a:schemeClr val="tx1"/>
+          </a:fontRef>
+        </p:style>
+      </p:cxnSp>
+      <p:sp>
+        <p:nvSpPr>
+          <p:cNvPr id="21" name="文本框 20">
+            <a:extLst>
+              <a:ext uri="{FF2B5EF4-FFF2-40B4-BE49-F238E27FC236}">
+                <a16:creationId xmlns:a16="http://schemas.microsoft.com/office/drawing/2014/main" id="{4A2A2B62-1E76-475A-80F9-069FC531AA68}"/>
+              </a:ext>
+            </a:extLst>
+          </p:cNvPr>
+          <p:cNvSpPr txBox="1"/>
+          <p:nvPr/>
+        </p:nvSpPr>
+        <p:spPr>
+          <a:xfrm>
+            <a:off x="2667737" y="4456132"/>
+            <a:ext cx="3821837" cy="276999"/>
+          </a:xfrm>
+          <a:prstGeom prst="rect">
+            <a:avLst/>
+          </a:prstGeom>
+          <a:noFill/>
+        </p:spPr>
+        <p:txBody>
+          <a:bodyPr wrap="square" rtlCol="0">
+            <a:spAutoFit/>
+          </a:bodyPr>
+          <a:lstStyle/>
+          <a:p>
+            <a:r>
+              <a:rPr lang="en-US" altLang="zh-CN" sz="1200" dirty="0">
+                <a:latin typeface="Times New Roman" panose="02020603050405020304" pitchFamily="18" charset="0"/>
+                <a:ea typeface="华文中宋" panose="02010600040101010101" pitchFamily="2" charset="-122"/>
+                <a:cs typeface="Times New Roman" panose="02020603050405020304" pitchFamily="18" charset="0"/>
+              </a:rPr>
+              <a:t>Distance_A</a:t>
+            </a:r>
+            <a:r>
+              <a:rPr lang="zh-CN" altLang="en-US" sz="1200" dirty="0">
+                <a:latin typeface="Times New Roman" panose="02020603050405020304" pitchFamily="18" charset="0"/>
+                <a:ea typeface="华文中宋" panose="02010600040101010101" pitchFamily="2" charset="-122"/>
+                <a:cs typeface="Times New Roman" panose="02020603050405020304" pitchFamily="18" charset="0"/>
+              </a:rPr>
+              <a:t>：外接矩形框对角线距离</a:t>
+            </a:r>
+          </a:p>
+        </p:txBody>
+      </p:sp>
+      <p:sp>
+        <p:nvSpPr>
+          <p:cNvPr id="22" name="文本框 21">
+            <a:extLst>
+              <a:ext uri="{FF2B5EF4-FFF2-40B4-BE49-F238E27FC236}">
+                <a16:creationId xmlns:a16="http://schemas.microsoft.com/office/drawing/2014/main" id="{691BCABB-5BF5-497C-B166-25E2B7C42F41}"/>
+              </a:ext>
+            </a:extLst>
+          </p:cNvPr>
+          <p:cNvSpPr txBox="1"/>
+          <p:nvPr/>
+        </p:nvSpPr>
+        <p:spPr>
+          <a:xfrm>
+            <a:off x="2681053" y="4777521"/>
+            <a:ext cx="3821837" cy="276999"/>
+          </a:xfrm>
+          <a:prstGeom prst="rect">
+            <a:avLst/>
+          </a:prstGeom>
+          <a:noFill/>
+        </p:spPr>
+        <p:txBody>
+          <a:bodyPr wrap="square" rtlCol="0">
+            <a:spAutoFit/>
+          </a:bodyPr>
+          <a:lstStyle/>
+          <a:p>
+            <a:r>
+              <a:rPr lang="en-US" altLang="zh-CN" sz="1200" dirty="0" err="1">
+                <a:latin typeface="Times New Roman" panose="02020603050405020304" pitchFamily="18" charset="0"/>
+                <a:ea typeface="华文中宋" panose="02010600040101010101" pitchFamily="2" charset="-122"/>
+                <a:cs typeface="Times New Roman" panose="02020603050405020304" pitchFamily="18" charset="0"/>
+              </a:rPr>
+              <a:t>Distance_B</a:t>
+            </a:r>
+            <a:r>
+              <a:rPr lang="zh-CN" altLang="en-US" sz="1200" dirty="0">
+                <a:latin typeface="Times New Roman" panose="02020603050405020304" pitchFamily="18" charset="0"/>
+                <a:ea typeface="华文中宋" panose="02010600040101010101" pitchFamily="2" charset="-122"/>
+                <a:cs typeface="Times New Roman" panose="02020603050405020304" pitchFamily="18" charset="0"/>
+              </a:rPr>
+              <a:t>：两个矩形框中心点距离</a:t>
+            </a:r>
+          </a:p>
+        </p:txBody>
+      </p:sp>
+    </p:spTree>
+    <p:extLst>
+      <p:ext uri="{BB962C8B-B14F-4D97-AF65-F5344CB8AC3E}">
+        <p14:creationId xmlns:p14="http://schemas.microsoft.com/office/powerpoint/2010/main" val="1317782357"/>
       </p:ext>
     </p:extLst>
   </p:cSld>

--- a/论文初稿/配图/论文用图.pptx
+++ b/论文初稿/配图/论文用图.pptx
@@ -263,7 +263,7 @@
           <a:p>
             <a:fld id="{B0A481C9-A10A-4899-889D-79F51DB4956A}" type="datetimeFigureOut">
               <a:rPr lang="zh-CN" altLang="en-US" smtClean="0"/>
-              <a:t>2021/3/2 Tuesday</a:t>
+              <a:t>2021/3/4 Thursday</a:t>
             </a:fld>
             <a:endParaRPr lang="zh-CN" altLang="en-US"/>
           </a:p>
@@ -461,7 +461,7 @@
           <a:p>
             <a:fld id="{B0A481C9-A10A-4899-889D-79F51DB4956A}" type="datetimeFigureOut">
               <a:rPr lang="zh-CN" altLang="en-US" smtClean="0"/>
-              <a:t>2021/3/2 Tuesday</a:t>
+              <a:t>2021/3/4 Thursday</a:t>
             </a:fld>
             <a:endParaRPr lang="zh-CN" altLang="en-US"/>
           </a:p>
@@ -669,7 +669,7 @@
           <a:p>
             <a:fld id="{B0A481C9-A10A-4899-889D-79F51DB4956A}" type="datetimeFigureOut">
               <a:rPr lang="zh-CN" altLang="en-US" smtClean="0"/>
-              <a:t>2021/3/2 Tuesday</a:t>
+              <a:t>2021/3/4 Thursday</a:t>
             </a:fld>
             <a:endParaRPr lang="zh-CN" altLang="en-US"/>
           </a:p>
@@ -867,7 +867,7 @@
           <a:p>
             <a:fld id="{B0A481C9-A10A-4899-889D-79F51DB4956A}" type="datetimeFigureOut">
               <a:rPr lang="zh-CN" altLang="en-US" smtClean="0"/>
-              <a:t>2021/3/2 Tuesday</a:t>
+              <a:t>2021/3/4 Thursday</a:t>
             </a:fld>
             <a:endParaRPr lang="zh-CN" altLang="en-US"/>
           </a:p>
@@ -1142,7 +1142,7 @@
           <a:p>
             <a:fld id="{B0A481C9-A10A-4899-889D-79F51DB4956A}" type="datetimeFigureOut">
               <a:rPr lang="zh-CN" altLang="en-US" smtClean="0"/>
-              <a:t>2021/3/2 Tuesday</a:t>
+              <a:t>2021/3/4 Thursday</a:t>
             </a:fld>
             <a:endParaRPr lang="zh-CN" altLang="en-US"/>
           </a:p>
@@ -1407,7 +1407,7 @@
           <a:p>
             <a:fld id="{B0A481C9-A10A-4899-889D-79F51DB4956A}" type="datetimeFigureOut">
               <a:rPr lang="zh-CN" altLang="en-US" smtClean="0"/>
-              <a:t>2021/3/2 Tuesday</a:t>
+              <a:t>2021/3/4 Thursday</a:t>
             </a:fld>
             <a:endParaRPr lang="zh-CN" altLang="en-US"/>
           </a:p>
@@ -1819,7 +1819,7 @@
           <a:p>
             <a:fld id="{B0A481C9-A10A-4899-889D-79F51DB4956A}" type="datetimeFigureOut">
               <a:rPr lang="zh-CN" altLang="en-US" smtClean="0"/>
-              <a:t>2021/3/2 Tuesday</a:t>
+              <a:t>2021/3/4 Thursday</a:t>
             </a:fld>
             <a:endParaRPr lang="zh-CN" altLang="en-US"/>
           </a:p>
@@ -1960,7 +1960,7 @@
           <a:p>
             <a:fld id="{B0A481C9-A10A-4899-889D-79F51DB4956A}" type="datetimeFigureOut">
               <a:rPr lang="zh-CN" altLang="en-US" smtClean="0"/>
-              <a:t>2021/3/2 Tuesday</a:t>
+              <a:t>2021/3/4 Thursday</a:t>
             </a:fld>
             <a:endParaRPr lang="zh-CN" altLang="en-US"/>
           </a:p>
@@ -2073,7 +2073,7 @@
           <a:p>
             <a:fld id="{B0A481C9-A10A-4899-889D-79F51DB4956A}" type="datetimeFigureOut">
               <a:rPr lang="zh-CN" altLang="en-US" smtClean="0"/>
-              <a:t>2021/3/2 Tuesday</a:t>
+              <a:t>2021/3/4 Thursday</a:t>
             </a:fld>
             <a:endParaRPr lang="zh-CN" altLang="en-US"/>
           </a:p>
@@ -2384,7 +2384,7 @@
           <a:p>
             <a:fld id="{B0A481C9-A10A-4899-889D-79F51DB4956A}" type="datetimeFigureOut">
               <a:rPr lang="zh-CN" altLang="en-US" smtClean="0"/>
-              <a:t>2021/3/2 Tuesday</a:t>
+              <a:t>2021/3/4 Thursday</a:t>
             </a:fld>
             <a:endParaRPr lang="zh-CN" altLang="en-US"/>
           </a:p>
@@ -2672,7 +2672,7 @@
           <a:p>
             <a:fld id="{B0A481C9-A10A-4899-889D-79F51DB4956A}" type="datetimeFigureOut">
               <a:rPr lang="zh-CN" altLang="en-US" smtClean="0"/>
-              <a:t>2021/3/2 Tuesday</a:t>
+              <a:t>2021/3/4 Thursday</a:t>
             </a:fld>
             <a:endParaRPr lang="zh-CN" altLang="en-US"/>
           </a:p>
@@ -2913,7 +2913,7 @@
           <a:p>
             <a:fld id="{B0A481C9-A10A-4899-889D-79F51DB4956A}" type="datetimeFigureOut">
               <a:rPr lang="zh-CN" altLang="en-US" smtClean="0"/>
-              <a:t>2021/3/2 Tuesday</a:t>
+              <a:t>2021/3/4 Thursday</a:t>
             </a:fld>
             <a:endParaRPr lang="zh-CN" altLang="en-US"/>
           </a:p>
@@ -11445,6 +11445,712 @@
           </a:p>
         </p:txBody>
       </p:sp>
+      <p:sp>
+        <p:nvSpPr>
+          <p:cNvPr id="12" name="矩形 11">
+            <a:extLst>
+              <a:ext uri="{FF2B5EF4-FFF2-40B4-BE49-F238E27FC236}">
+                <a16:creationId xmlns:a16="http://schemas.microsoft.com/office/drawing/2014/main" id="{AC9B130F-3102-414E-8B8F-D82AAFF2F83A}"/>
+              </a:ext>
+            </a:extLst>
+          </p:cNvPr>
+          <p:cNvSpPr/>
+          <p:nvPr/>
+        </p:nvSpPr>
+        <p:spPr>
+          <a:xfrm>
+            <a:off x="8201490" y="1748901"/>
+            <a:ext cx="1864311" cy="2441359"/>
+          </a:xfrm>
+          <a:prstGeom prst="rect">
+            <a:avLst/>
+          </a:prstGeom>
+          <a:noFill/>
+          <a:ln w="57150">
+            <a:solidFill>
+              <a:srgbClr val="FF0000"/>
+            </a:solidFill>
+          </a:ln>
+        </p:spPr>
+        <p:style>
+          <a:lnRef idx="2">
+            <a:schemeClr val="accent1">
+              <a:shade val="50000"/>
+            </a:schemeClr>
+          </a:lnRef>
+          <a:fillRef idx="1">
+            <a:schemeClr val="accent1"/>
+          </a:fillRef>
+          <a:effectRef idx="0">
+            <a:schemeClr val="accent1"/>
+          </a:effectRef>
+          <a:fontRef idx="minor">
+            <a:schemeClr val="lt1"/>
+          </a:fontRef>
+        </p:style>
+        <p:txBody>
+          <a:bodyPr rtlCol="0" anchor="ctr"/>
+          <a:lstStyle/>
+          <a:p>
+            <a:pPr algn="ctr"/>
+            <a:endParaRPr lang="zh-CN" altLang="en-US" dirty="0"/>
+          </a:p>
+        </p:txBody>
+      </p:sp>
+      <p:sp>
+        <p:nvSpPr>
+          <p:cNvPr id="13" name="矩形 12">
+            <a:extLst>
+              <a:ext uri="{FF2B5EF4-FFF2-40B4-BE49-F238E27FC236}">
+                <a16:creationId xmlns:a16="http://schemas.microsoft.com/office/drawing/2014/main" id="{9C173E65-0C25-49C4-8BEE-7D30B614C9AE}"/>
+              </a:ext>
+            </a:extLst>
+          </p:cNvPr>
+          <p:cNvSpPr/>
+          <p:nvPr/>
+        </p:nvSpPr>
+        <p:spPr>
+          <a:xfrm>
+            <a:off x="8991602" y="987641"/>
+            <a:ext cx="1864311" cy="2441359"/>
+          </a:xfrm>
+          <a:prstGeom prst="rect">
+            <a:avLst/>
+          </a:prstGeom>
+          <a:noFill/>
+          <a:ln w="57150">
+            <a:solidFill>
+              <a:srgbClr val="00B050"/>
+            </a:solidFill>
+          </a:ln>
+        </p:spPr>
+        <p:style>
+          <a:lnRef idx="2">
+            <a:schemeClr val="accent1">
+              <a:shade val="50000"/>
+            </a:schemeClr>
+          </a:lnRef>
+          <a:fillRef idx="1">
+            <a:schemeClr val="accent1"/>
+          </a:fillRef>
+          <a:effectRef idx="0">
+            <a:schemeClr val="accent1"/>
+          </a:effectRef>
+          <a:fontRef idx="minor">
+            <a:schemeClr val="lt1"/>
+          </a:fontRef>
+        </p:style>
+        <p:txBody>
+          <a:bodyPr rtlCol="0" anchor="ctr"/>
+          <a:lstStyle/>
+          <a:p>
+            <a:pPr algn="ctr"/>
+            <a:endParaRPr lang="zh-CN" altLang="en-US" dirty="0"/>
+          </a:p>
+        </p:txBody>
+      </p:sp>
+      <p:sp>
+        <p:nvSpPr>
+          <p:cNvPr id="16" name="矩形 15">
+            <a:extLst>
+              <a:ext uri="{FF2B5EF4-FFF2-40B4-BE49-F238E27FC236}">
+                <a16:creationId xmlns:a16="http://schemas.microsoft.com/office/drawing/2014/main" id="{94A4D8AC-56DE-4BA8-B663-F01343107E3E}"/>
+              </a:ext>
+            </a:extLst>
+          </p:cNvPr>
+          <p:cNvSpPr/>
+          <p:nvPr/>
+        </p:nvSpPr>
+        <p:spPr>
+          <a:xfrm>
+            <a:off x="8130469" y="923278"/>
+            <a:ext cx="2787587" cy="3346881"/>
+          </a:xfrm>
+          <a:prstGeom prst="rect">
+            <a:avLst/>
+          </a:prstGeom>
+          <a:noFill/>
+          <a:ln w="57150">
+            <a:solidFill>
+              <a:srgbClr val="00B0F0"/>
+            </a:solidFill>
+          </a:ln>
+        </p:spPr>
+        <p:style>
+          <a:lnRef idx="2">
+            <a:schemeClr val="accent1">
+              <a:shade val="50000"/>
+            </a:schemeClr>
+          </a:lnRef>
+          <a:fillRef idx="1">
+            <a:schemeClr val="accent1"/>
+          </a:fillRef>
+          <a:effectRef idx="0">
+            <a:schemeClr val="accent1"/>
+          </a:effectRef>
+          <a:fontRef idx="minor">
+            <a:schemeClr val="lt1"/>
+          </a:fontRef>
+        </p:style>
+        <p:txBody>
+          <a:bodyPr rtlCol="0" anchor="ctr"/>
+          <a:lstStyle/>
+          <a:p>
+            <a:pPr algn="ctr"/>
+            <a:endParaRPr lang="zh-CN" altLang="en-US" dirty="0"/>
+          </a:p>
+        </p:txBody>
+      </p:sp>
+      <p:sp>
+        <p:nvSpPr>
+          <p:cNvPr id="25" name="文本框 24">
+            <a:extLst>
+              <a:ext uri="{FF2B5EF4-FFF2-40B4-BE49-F238E27FC236}">
+                <a16:creationId xmlns:a16="http://schemas.microsoft.com/office/drawing/2014/main" id="{F126B3AE-43DE-4A6A-B4B5-E907804E5DD5}"/>
+              </a:ext>
+            </a:extLst>
+          </p:cNvPr>
+          <p:cNvSpPr txBox="1"/>
+          <p:nvPr/>
+        </p:nvSpPr>
+        <p:spPr>
+          <a:xfrm>
+            <a:off x="8790372" y="4313046"/>
+            <a:ext cx="982461" cy="276999"/>
+          </a:xfrm>
+          <a:prstGeom prst="rect">
+            <a:avLst/>
+          </a:prstGeom>
+          <a:noFill/>
+        </p:spPr>
+        <p:txBody>
+          <a:bodyPr wrap="square" rtlCol="0">
+            <a:spAutoFit/>
+          </a:bodyPr>
+          <a:lstStyle/>
+          <a:p>
+            <a:r>
+              <a:rPr lang="zh-CN" altLang="en-US" sz="1200" dirty="0">
+                <a:latin typeface="Times New Roman" panose="02020603050405020304" pitchFamily="18" charset="0"/>
+                <a:ea typeface="华文中宋" panose="02010600040101010101" pitchFamily="2" charset="-122"/>
+                <a:cs typeface="Times New Roman" panose="02020603050405020304" pitchFamily="18" charset="0"/>
+              </a:rPr>
+              <a:t>矩形框：</a:t>
+            </a:r>
+            <a:r>
+              <a:rPr lang="en-US" altLang="zh-CN" sz="1200" dirty="0">
+                <a:latin typeface="Times New Roman" panose="02020603050405020304" pitchFamily="18" charset="0"/>
+                <a:ea typeface="华文中宋" panose="02010600040101010101" pitchFamily="2" charset="-122"/>
+                <a:cs typeface="Times New Roman" panose="02020603050405020304" pitchFamily="18" charset="0"/>
+              </a:rPr>
+              <a:t>A</a:t>
+            </a:r>
+            <a:endParaRPr lang="zh-CN" altLang="en-US" sz="1200" dirty="0">
+              <a:latin typeface="Times New Roman" panose="02020603050405020304" pitchFamily="18" charset="0"/>
+              <a:ea typeface="华文中宋" panose="02010600040101010101" pitchFamily="2" charset="-122"/>
+              <a:cs typeface="Times New Roman" panose="02020603050405020304" pitchFamily="18" charset="0"/>
+            </a:endParaRPr>
+          </a:p>
+        </p:txBody>
+      </p:sp>
+      <p:sp>
+        <p:nvSpPr>
+          <p:cNvPr id="26" name="文本框 25">
+            <a:extLst>
+              <a:ext uri="{FF2B5EF4-FFF2-40B4-BE49-F238E27FC236}">
+                <a16:creationId xmlns:a16="http://schemas.microsoft.com/office/drawing/2014/main" id="{D20D16CF-98AA-4AB8-A785-6E7FB3740860}"/>
+              </a:ext>
+            </a:extLst>
+          </p:cNvPr>
+          <p:cNvSpPr txBox="1"/>
+          <p:nvPr/>
+        </p:nvSpPr>
+        <p:spPr>
+          <a:xfrm>
+            <a:off x="8790372" y="4562578"/>
+            <a:ext cx="1102308" cy="276999"/>
+          </a:xfrm>
+          <a:prstGeom prst="rect">
+            <a:avLst/>
+          </a:prstGeom>
+          <a:noFill/>
+        </p:spPr>
+        <p:txBody>
+          <a:bodyPr wrap="square" rtlCol="0">
+            <a:spAutoFit/>
+          </a:bodyPr>
+          <a:lstStyle/>
+          <a:p>
+            <a:r>
+              <a:rPr lang="zh-CN" altLang="en-US" sz="1200" dirty="0">
+                <a:latin typeface="Times New Roman" panose="02020603050405020304" pitchFamily="18" charset="0"/>
+                <a:ea typeface="华文中宋" panose="02010600040101010101" pitchFamily="2" charset="-122"/>
+                <a:cs typeface="Times New Roman" panose="02020603050405020304" pitchFamily="18" charset="0"/>
+              </a:rPr>
+              <a:t>矩形框：</a:t>
+            </a:r>
+            <a:r>
+              <a:rPr lang="en-US" altLang="zh-CN" sz="1200" dirty="0">
+                <a:latin typeface="Times New Roman" panose="02020603050405020304" pitchFamily="18" charset="0"/>
+                <a:ea typeface="华文中宋" panose="02010600040101010101" pitchFamily="2" charset="-122"/>
+                <a:cs typeface="Times New Roman" panose="02020603050405020304" pitchFamily="18" charset="0"/>
+              </a:rPr>
+              <a:t>B</a:t>
+            </a:r>
+            <a:endParaRPr lang="zh-CN" altLang="en-US" sz="1200" dirty="0">
+              <a:latin typeface="Times New Roman" panose="02020603050405020304" pitchFamily="18" charset="0"/>
+              <a:ea typeface="华文中宋" panose="02010600040101010101" pitchFamily="2" charset="-122"/>
+              <a:cs typeface="Times New Roman" panose="02020603050405020304" pitchFamily="18" charset="0"/>
+            </a:endParaRPr>
+          </a:p>
+        </p:txBody>
+      </p:sp>
+      <p:sp>
+        <p:nvSpPr>
+          <p:cNvPr id="27" name="矩形 26">
+            <a:extLst>
+              <a:ext uri="{FF2B5EF4-FFF2-40B4-BE49-F238E27FC236}">
+                <a16:creationId xmlns:a16="http://schemas.microsoft.com/office/drawing/2014/main" id="{8B47DDDC-F88D-46F0-BCBC-8C375740602E}"/>
+              </a:ext>
+            </a:extLst>
+          </p:cNvPr>
+          <p:cNvSpPr/>
+          <p:nvPr/>
+        </p:nvSpPr>
+        <p:spPr>
+          <a:xfrm>
+            <a:off x="8201490" y="987641"/>
+            <a:ext cx="727969" cy="681361"/>
+          </a:xfrm>
+          <a:prstGeom prst="rect">
+            <a:avLst/>
+          </a:prstGeom>
+          <a:solidFill>
+            <a:srgbClr val="FFC000"/>
+          </a:solidFill>
+          <a:ln w="57150">
+            <a:solidFill>
+              <a:srgbClr val="FFC000"/>
+            </a:solidFill>
+          </a:ln>
+        </p:spPr>
+        <p:style>
+          <a:lnRef idx="2">
+            <a:schemeClr val="accent1">
+              <a:shade val="50000"/>
+            </a:schemeClr>
+          </a:lnRef>
+          <a:fillRef idx="1">
+            <a:schemeClr val="accent1"/>
+          </a:fillRef>
+          <a:effectRef idx="0">
+            <a:schemeClr val="accent1"/>
+          </a:effectRef>
+          <a:fontRef idx="minor">
+            <a:schemeClr val="lt1"/>
+          </a:fontRef>
+        </p:style>
+        <p:txBody>
+          <a:bodyPr rtlCol="0" anchor="ctr"/>
+          <a:lstStyle/>
+          <a:p>
+            <a:pPr algn="ctr"/>
+            <a:endParaRPr lang="zh-CN" altLang="en-US" dirty="0"/>
+          </a:p>
+        </p:txBody>
+      </p:sp>
+      <p:sp>
+        <p:nvSpPr>
+          <p:cNvPr id="28" name="矩形 27">
+            <a:extLst>
+              <a:ext uri="{FF2B5EF4-FFF2-40B4-BE49-F238E27FC236}">
+                <a16:creationId xmlns:a16="http://schemas.microsoft.com/office/drawing/2014/main" id="{F9A589C9-D113-4CE9-9526-53DEC653B94E}"/>
+              </a:ext>
+            </a:extLst>
+          </p:cNvPr>
+          <p:cNvSpPr/>
+          <p:nvPr/>
+        </p:nvSpPr>
+        <p:spPr>
+          <a:xfrm>
+            <a:off x="10127944" y="3493363"/>
+            <a:ext cx="727969" cy="681361"/>
+          </a:xfrm>
+          <a:prstGeom prst="rect">
+            <a:avLst/>
+          </a:prstGeom>
+          <a:solidFill>
+            <a:srgbClr val="FFC000"/>
+          </a:solidFill>
+          <a:ln w="57150">
+            <a:solidFill>
+              <a:srgbClr val="FFC000"/>
+            </a:solidFill>
+          </a:ln>
+        </p:spPr>
+        <p:style>
+          <a:lnRef idx="2">
+            <a:schemeClr val="accent1">
+              <a:shade val="50000"/>
+            </a:schemeClr>
+          </a:lnRef>
+          <a:fillRef idx="1">
+            <a:schemeClr val="accent1"/>
+          </a:fillRef>
+          <a:effectRef idx="0">
+            <a:schemeClr val="accent1"/>
+          </a:effectRef>
+          <a:fontRef idx="minor">
+            <a:schemeClr val="lt1"/>
+          </a:fontRef>
+        </p:style>
+        <p:txBody>
+          <a:bodyPr rtlCol="0" anchor="ctr"/>
+          <a:lstStyle/>
+          <a:p>
+            <a:pPr algn="ctr"/>
+            <a:endParaRPr lang="zh-CN" altLang="en-US" dirty="0"/>
+          </a:p>
+        </p:txBody>
+      </p:sp>
+      <p:sp>
+        <p:nvSpPr>
+          <p:cNvPr id="29" name="矩形 28">
+            <a:extLst>
+              <a:ext uri="{FF2B5EF4-FFF2-40B4-BE49-F238E27FC236}">
+                <a16:creationId xmlns:a16="http://schemas.microsoft.com/office/drawing/2014/main" id="{880A10C6-B68C-4952-9C97-62894CD18958}"/>
+              </a:ext>
+            </a:extLst>
+          </p:cNvPr>
+          <p:cNvSpPr/>
+          <p:nvPr/>
+        </p:nvSpPr>
+        <p:spPr>
+          <a:xfrm>
+            <a:off x="8424907" y="4904443"/>
+            <a:ext cx="255973" cy="137085"/>
+          </a:xfrm>
+          <a:prstGeom prst="rect">
+            <a:avLst/>
+          </a:prstGeom>
+          <a:noFill/>
+          <a:ln w="28575">
+            <a:solidFill>
+              <a:srgbClr val="00B0F0"/>
+            </a:solidFill>
+          </a:ln>
+        </p:spPr>
+        <p:style>
+          <a:lnRef idx="2">
+            <a:schemeClr val="accent1">
+              <a:shade val="50000"/>
+            </a:schemeClr>
+          </a:lnRef>
+          <a:fillRef idx="1">
+            <a:schemeClr val="accent1"/>
+          </a:fillRef>
+          <a:effectRef idx="0">
+            <a:schemeClr val="accent1"/>
+          </a:effectRef>
+          <a:fontRef idx="minor">
+            <a:schemeClr val="lt1"/>
+          </a:fontRef>
+        </p:style>
+        <p:txBody>
+          <a:bodyPr rtlCol="0" anchor="ctr"/>
+          <a:lstStyle/>
+          <a:p>
+            <a:pPr algn="ctr"/>
+            <a:endParaRPr lang="zh-CN" altLang="en-US" dirty="0"/>
+          </a:p>
+        </p:txBody>
+      </p:sp>
+      <p:sp>
+        <p:nvSpPr>
+          <p:cNvPr id="30" name="矩形 29">
+            <a:extLst>
+              <a:ext uri="{FF2B5EF4-FFF2-40B4-BE49-F238E27FC236}">
+                <a16:creationId xmlns:a16="http://schemas.microsoft.com/office/drawing/2014/main" id="{3C9CFEAD-B170-4625-85F0-43B321115AD9}"/>
+              </a:ext>
+            </a:extLst>
+          </p:cNvPr>
+          <p:cNvSpPr/>
+          <p:nvPr/>
+        </p:nvSpPr>
+        <p:spPr>
+          <a:xfrm>
+            <a:off x="8424907" y="4389383"/>
+            <a:ext cx="255973" cy="137085"/>
+          </a:xfrm>
+          <a:prstGeom prst="rect">
+            <a:avLst/>
+          </a:prstGeom>
+          <a:noFill/>
+          <a:ln w="28575">
+            <a:solidFill>
+              <a:srgbClr val="FF0000"/>
+            </a:solidFill>
+          </a:ln>
+        </p:spPr>
+        <p:style>
+          <a:lnRef idx="2">
+            <a:schemeClr val="accent1">
+              <a:shade val="50000"/>
+            </a:schemeClr>
+          </a:lnRef>
+          <a:fillRef idx="1">
+            <a:schemeClr val="accent1"/>
+          </a:fillRef>
+          <a:effectRef idx="0">
+            <a:schemeClr val="accent1"/>
+          </a:effectRef>
+          <a:fontRef idx="minor">
+            <a:schemeClr val="lt1"/>
+          </a:fontRef>
+        </p:style>
+        <p:txBody>
+          <a:bodyPr rtlCol="0" anchor="ctr"/>
+          <a:lstStyle/>
+          <a:p>
+            <a:pPr algn="ctr"/>
+            <a:endParaRPr lang="zh-CN" altLang="en-US" dirty="0"/>
+          </a:p>
+        </p:txBody>
+      </p:sp>
+      <p:sp>
+        <p:nvSpPr>
+          <p:cNvPr id="31" name="矩形 30">
+            <a:extLst>
+              <a:ext uri="{FF2B5EF4-FFF2-40B4-BE49-F238E27FC236}">
+                <a16:creationId xmlns:a16="http://schemas.microsoft.com/office/drawing/2014/main" id="{BE694D01-0D8C-4590-878C-2CD54361B683}"/>
+              </a:ext>
+            </a:extLst>
+          </p:cNvPr>
+          <p:cNvSpPr/>
+          <p:nvPr/>
+        </p:nvSpPr>
+        <p:spPr>
+          <a:xfrm>
+            <a:off x="8424907" y="4639102"/>
+            <a:ext cx="255973" cy="137085"/>
+          </a:xfrm>
+          <a:prstGeom prst="rect">
+            <a:avLst/>
+          </a:prstGeom>
+          <a:noFill/>
+          <a:ln w="28575">
+            <a:solidFill>
+              <a:srgbClr val="00B050"/>
+            </a:solidFill>
+          </a:ln>
+        </p:spPr>
+        <p:style>
+          <a:lnRef idx="2">
+            <a:schemeClr val="accent1">
+              <a:shade val="50000"/>
+            </a:schemeClr>
+          </a:lnRef>
+          <a:fillRef idx="1">
+            <a:schemeClr val="accent1"/>
+          </a:fillRef>
+          <a:effectRef idx="0">
+            <a:schemeClr val="accent1"/>
+          </a:effectRef>
+          <a:fontRef idx="minor">
+            <a:schemeClr val="lt1"/>
+          </a:fontRef>
+        </p:style>
+        <p:txBody>
+          <a:bodyPr rtlCol="0" anchor="ctr"/>
+          <a:lstStyle/>
+          <a:p>
+            <a:pPr algn="ctr"/>
+            <a:endParaRPr lang="zh-CN" altLang="en-US" dirty="0"/>
+          </a:p>
+        </p:txBody>
+      </p:sp>
+      <p:sp>
+        <p:nvSpPr>
+          <p:cNvPr id="32" name="矩形 31">
+            <a:extLst>
+              <a:ext uri="{FF2B5EF4-FFF2-40B4-BE49-F238E27FC236}">
+                <a16:creationId xmlns:a16="http://schemas.microsoft.com/office/drawing/2014/main" id="{09485651-DA2F-422D-B9C4-E1D8870AA390}"/>
+              </a:ext>
+            </a:extLst>
+          </p:cNvPr>
+          <p:cNvSpPr/>
+          <p:nvPr/>
+        </p:nvSpPr>
+        <p:spPr>
+          <a:xfrm>
+            <a:off x="8424907" y="5155008"/>
+            <a:ext cx="255973" cy="137085"/>
+          </a:xfrm>
+          <a:prstGeom prst="rect">
+            <a:avLst/>
+          </a:prstGeom>
+          <a:solidFill>
+            <a:srgbClr val="FFC000"/>
+          </a:solidFill>
+          <a:ln w="28575">
+            <a:solidFill>
+              <a:srgbClr val="FFC000"/>
+            </a:solidFill>
+          </a:ln>
+        </p:spPr>
+        <p:style>
+          <a:lnRef idx="2">
+            <a:schemeClr val="accent1">
+              <a:shade val="50000"/>
+            </a:schemeClr>
+          </a:lnRef>
+          <a:fillRef idx="1">
+            <a:schemeClr val="accent1"/>
+          </a:fillRef>
+          <a:effectRef idx="0">
+            <a:schemeClr val="accent1"/>
+          </a:effectRef>
+          <a:fontRef idx="minor">
+            <a:schemeClr val="lt1"/>
+          </a:fontRef>
+        </p:style>
+        <p:txBody>
+          <a:bodyPr rtlCol="0" anchor="ctr"/>
+          <a:lstStyle/>
+          <a:p>
+            <a:pPr algn="ctr"/>
+            <a:endParaRPr lang="zh-CN" altLang="en-US" dirty="0"/>
+          </a:p>
+        </p:txBody>
+      </p:sp>
+      <p:sp>
+        <p:nvSpPr>
+          <p:cNvPr id="33" name="文本框 32">
+            <a:extLst>
+              <a:ext uri="{FF2B5EF4-FFF2-40B4-BE49-F238E27FC236}">
+                <a16:creationId xmlns:a16="http://schemas.microsoft.com/office/drawing/2014/main" id="{4E89CA47-7DCA-4AD9-B00F-EA9B02AF97BC}"/>
+              </a:ext>
+            </a:extLst>
+          </p:cNvPr>
+          <p:cNvSpPr txBox="1"/>
+          <p:nvPr/>
+        </p:nvSpPr>
+        <p:spPr>
+          <a:xfrm>
+            <a:off x="8790372" y="4815741"/>
+            <a:ext cx="2081079" cy="276999"/>
+          </a:xfrm>
+          <a:prstGeom prst="rect">
+            <a:avLst/>
+          </a:prstGeom>
+          <a:noFill/>
+        </p:spPr>
+        <p:txBody>
+          <a:bodyPr wrap="square" rtlCol="0">
+            <a:spAutoFit/>
+          </a:bodyPr>
+          <a:lstStyle/>
+          <a:p>
+            <a:r>
+              <a:rPr lang="en-US" altLang="zh-CN" sz="1200" dirty="0">
+                <a:latin typeface="Times New Roman" panose="02020603050405020304" pitchFamily="18" charset="0"/>
+                <a:ea typeface="华文中宋" panose="02010600040101010101" pitchFamily="2" charset="-122"/>
+                <a:cs typeface="Times New Roman" panose="02020603050405020304" pitchFamily="18" charset="0"/>
+              </a:rPr>
+              <a:t>A</a:t>
+            </a:r>
+            <a:r>
+              <a:rPr lang="zh-CN" altLang="en-US" sz="1200" dirty="0">
+                <a:latin typeface="Times New Roman" panose="02020603050405020304" pitchFamily="18" charset="0"/>
+                <a:ea typeface="华文中宋" panose="02010600040101010101" pitchFamily="2" charset="-122"/>
+                <a:cs typeface="Times New Roman" panose="02020603050405020304" pitchFamily="18" charset="0"/>
+              </a:rPr>
+              <a:t>和</a:t>
+            </a:r>
+            <a:r>
+              <a:rPr lang="en-US" altLang="zh-CN" sz="1200" dirty="0">
+                <a:latin typeface="Times New Roman" panose="02020603050405020304" pitchFamily="18" charset="0"/>
+                <a:ea typeface="华文中宋" panose="02010600040101010101" pitchFamily="2" charset="-122"/>
+                <a:cs typeface="Times New Roman" panose="02020603050405020304" pitchFamily="18" charset="0"/>
+              </a:rPr>
+              <a:t>B</a:t>
+            </a:r>
+            <a:r>
+              <a:rPr lang="zh-CN" altLang="en-US" sz="1200" dirty="0">
+                <a:latin typeface="Times New Roman" panose="02020603050405020304" pitchFamily="18" charset="0"/>
+                <a:ea typeface="华文中宋" panose="02010600040101010101" pitchFamily="2" charset="-122"/>
+                <a:cs typeface="Times New Roman" panose="02020603050405020304" pitchFamily="18" charset="0"/>
+              </a:rPr>
+              <a:t>的最小外接矩形框：</a:t>
+            </a:r>
+            <a:r>
+              <a:rPr lang="en-US" altLang="zh-CN" sz="1200" dirty="0">
+                <a:latin typeface="Times New Roman" panose="02020603050405020304" pitchFamily="18" charset="0"/>
+                <a:ea typeface="华文中宋" panose="02010600040101010101" pitchFamily="2" charset="-122"/>
+                <a:cs typeface="Times New Roman" panose="02020603050405020304" pitchFamily="18" charset="0"/>
+              </a:rPr>
+              <a:t>C</a:t>
+            </a:r>
+            <a:endParaRPr lang="zh-CN" altLang="en-US" sz="1200" dirty="0">
+              <a:latin typeface="Times New Roman" panose="02020603050405020304" pitchFamily="18" charset="0"/>
+              <a:ea typeface="华文中宋" panose="02010600040101010101" pitchFamily="2" charset="-122"/>
+              <a:cs typeface="Times New Roman" panose="02020603050405020304" pitchFamily="18" charset="0"/>
+            </a:endParaRPr>
+          </a:p>
+        </p:txBody>
+      </p:sp>
+      <p:sp>
+        <p:nvSpPr>
+          <p:cNvPr id="34" name="文本框 33">
+            <a:extLst>
+              <a:ext uri="{FF2B5EF4-FFF2-40B4-BE49-F238E27FC236}">
+                <a16:creationId xmlns:a16="http://schemas.microsoft.com/office/drawing/2014/main" id="{838F7ABE-D724-4D79-8526-6602460C4058}"/>
+              </a:ext>
+            </a:extLst>
+          </p:cNvPr>
+          <p:cNvSpPr txBox="1"/>
+          <p:nvPr/>
+        </p:nvSpPr>
+        <p:spPr>
+          <a:xfrm>
+            <a:off x="8790372" y="5089109"/>
+            <a:ext cx="1204406" cy="276999"/>
+          </a:xfrm>
+          <a:prstGeom prst="rect">
+            <a:avLst/>
+          </a:prstGeom>
+          <a:noFill/>
+        </p:spPr>
+        <p:txBody>
+          <a:bodyPr wrap="square" rtlCol="0">
+            <a:spAutoFit/>
+          </a:bodyPr>
+          <a:lstStyle/>
+          <a:p>
+            <a:r>
+              <a:rPr lang="zh-CN" altLang="en-US" sz="1200" dirty="0">
+                <a:latin typeface="Times New Roman" panose="02020603050405020304" pitchFamily="18" charset="0"/>
+                <a:ea typeface="华文中宋" panose="02010600040101010101" pitchFamily="2" charset="-122"/>
+                <a:cs typeface="Times New Roman" panose="02020603050405020304" pitchFamily="18" charset="0"/>
+              </a:rPr>
+              <a:t>空白区域：</a:t>
+            </a:r>
+            <a:r>
+              <a:rPr lang="en-US" altLang="zh-CN" sz="1200" dirty="0">
+                <a:latin typeface="Times New Roman" panose="02020603050405020304" pitchFamily="18" charset="0"/>
+                <a:ea typeface="华文中宋" panose="02010600040101010101" pitchFamily="2" charset="-122"/>
+                <a:cs typeface="Times New Roman" panose="02020603050405020304" pitchFamily="18" charset="0"/>
+              </a:rPr>
+              <a:t>D</a:t>
+            </a:r>
+            <a:endParaRPr lang="zh-CN" altLang="en-US" sz="1200" dirty="0">
+              <a:latin typeface="Times New Roman" panose="02020603050405020304" pitchFamily="18" charset="0"/>
+              <a:ea typeface="华文中宋" panose="02010600040101010101" pitchFamily="2" charset="-122"/>
+              <a:cs typeface="Times New Roman" panose="02020603050405020304" pitchFamily="18" charset="0"/>
+            </a:endParaRPr>
+          </a:p>
+        </p:txBody>
+      </p:sp>
     </p:spTree>
     <p:extLst>
       <p:ext uri="{BB962C8B-B14F-4D97-AF65-F5344CB8AC3E}">

--- a/论文初稿/配图/论文用图.pptx
+++ b/论文初稿/配图/论文用图.pptx
@@ -9,7 +9,6 @@
     <p:sldId id="257" r:id="rId3"/>
     <p:sldId id="258" r:id="rId4"/>
     <p:sldId id="259" r:id="rId5"/>
-    <p:sldId id="260" r:id="rId6"/>
   </p:sldIdLst>
   <p:sldSz cx="12192000" cy="6858000"/>
   <p:notesSz cx="6858000" cy="9144000"/>
@@ -263,7 +262,7 @@
           <a:p>
             <a:fld id="{B0A481C9-A10A-4899-889D-79F51DB4956A}" type="datetimeFigureOut">
               <a:rPr lang="zh-CN" altLang="en-US" smtClean="0"/>
-              <a:t>2021/3/4 Thursday</a:t>
+              <a:t>2021/3/7</a:t>
             </a:fld>
             <a:endParaRPr lang="zh-CN" altLang="en-US"/>
           </a:p>
@@ -461,7 +460,7 @@
           <a:p>
             <a:fld id="{B0A481C9-A10A-4899-889D-79F51DB4956A}" type="datetimeFigureOut">
               <a:rPr lang="zh-CN" altLang="en-US" smtClean="0"/>
-              <a:t>2021/3/4 Thursday</a:t>
+              <a:t>2021/3/7</a:t>
             </a:fld>
             <a:endParaRPr lang="zh-CN" altLang="en-US"/>
           </a:p>
@@ -669,7 +668,7 @@
           <a:p>
             <a:fld id="{B0A481C9-A10A-4899-889D-79F51DB4956A}" type="datetimeFigureOut">
               <a:rPr lang="zh-CN" altLang="en-US" smtClean="0"/>
-              <a:t>2021/3/4 Thursday</a:t>
+              <a:t>2021/3/7</a:t>
             </a:fld>
             <a:endParaRPr lang="zh-CN" altLang="en-US"/>
           </a:p>
@@ -867,7 +866,7 @@
           <a:p>
             <a:fld id="{B0A481C9-A10A-4899-889D-79F51DB4956A}" type="datetimeFigureOut">
               <a:rPr lang="zh-CN" altLang="en-US" smtClean="0"/>
-              <a:t>2021/3/4 Thursday</a:t>
+              <a:t>2021/3/7</a:t>
             </a:fld>
             <a:endParaRPr lang="zh-CN" altLang="en-US"/>
           </a:p>
@@ -1142,7 +1141,7 @@
           <a:p>
             <a:fld id="{B0A481C9-A10A-4899-889D-79F51DB4956A}" type="datetimeFigureOut">
               <a:rPr lang="zh-CN" altLang="en-US" smtClean="0"/>
-              <a:t>2021/3/4 Thursday</a:t>
+              <a:t>2021/3/7</a:t>
             </a:fld>
             <a:endParaRPr lang="zh-CN" altLang="en-US"/>
           </a:p>
@@ -1407,7 +1406,7 @@
           <a:p>
             <a:fld id="{B0A481C9-A10A-4899-889D-79F51DB4956A}" type="datetimeFigureOut">
               <a:rPr lang="zh-CN" altLang="en-US" smtClean="0"/>
-              <a:t>2021/3/4 Thursday</a:t>
+              <a:t>2021/3/7</a:t>
             </a:fld>
             <a:endParaRPr lang="zh-CN" altLang="en-US"/>
           </a:p>
@@ -1819,7 +1818,7 @@
           <a:p>
             <a:fld id="{B0A481C9-A10A-4899-889D-79F51DB4956A}" type="datetimeFigureOut">
               <a:rPr lang="zh-CN" altLang="en-US" smtClean="0"/>
-              <a:t>2021/3/4 Thursday</a:t>
+              <a:t>2021/3/7</a:t>
             </a:fld>
             <a:endParaRPr lang="zh-CN" altLang="en-US"/>
           </a:p>
@@ -1960,7 +1959,7 @@
           <a:p>
             <a:fld id="{B0A481C9-A10A-4899-889D-79F51DB4956A}" type="datetimeFigureOut">
               <a:rPr lang="zh-CN" altLang="en-US" smtClean="0"/>
-              <a:t>2021/3/4 Thursday</a:t>
+              <a:t>2021/3/7</a:t>
             </a:fld>
             <a:endParaRPr lang="zh-CN" altLang="en-US"/>
           </a:p>
@@ -2073,7 +2072,7 @@
           <a:p>
             <a:fld id="{B0A481C9-A10A-4899-889D-79F51DB4956A}" type="datetimeFigureOut">
               <a:rPr lang="zh-CN" altLang="en-US" smtClean="0"/>
-              <a:t>2021/3/4 Thursday</a:t>
+              <a:t>2021/3/7</a:t>
             </a:fld>
             <a:endParaRPr lang="zh-CN" altLang="en-US"/>
           </a:p>
@@ -2384,7 +2383,7 @@
           <a:p>
             <a:fld id="{B0A481C9-A10A-4899-889D-79F51DB4956A}" type="datetimeFigureOut">
               <a:rPr lang="zh-CN" altLang="en-US" smtClean="0"/>
-              <a:t>2021/3/4 Thursday</a:t>
+              <a:t>2021/3/7</a:t>
             </a:fld>
             <a:endParaRPr lang="zh-CN" altLang="en-US"/>
           </a:p>
@@ -2672,7 +2671,7 @@
           <a:p>
             <a:fld id="{B0A481C9-A10A-4899-889D-79F51DB4956A}" type="datetimeFigureOut">
               <a:rPr lang="zh-CN" altLang="en-US" smtClean="0"/>
-              <a:t>2021/3/4 Thursday</a:t>
+              <a:t>2021/3/7</a:t>
             </a:fld>
             <a:endParaRPr lang="zh-CN" altLang="en-US"/>
           </a:p>
@@ -2913,7 +2912,7 @@
           <a:p>
             <a:fld id="{B0A481C9-A10A-4899-889D-79F51DB4956A}" type="datetimeFigureOut">
               <a:rPr lang="zh-CN" altLang="en-US" smtClean="0"/>
-              <a:t>2021/3/4 Thursday</a:t>
+              <a:t>2021/3/7</a:t>
             </a:fld>
             <a:endParaRPr lang="zh-CN" altLang="en-US"/>
           </a:p>
@@ -4769,6 +4768,13 @@
   <p:clrMapOvr>
     <a:masterClrMapping/>
   </p:clrMapOvr>
+  <p:timing>
+    <p:tnLst>
+      <p:par>
+        <p:cTn id="1" dur="indefinite" restart="never" nodeType="tmRoot"/>
+      </p:par>
+    </p:tnLst>
+  </p:timing>
 </p:sld>
 </file>
 
@@ -9325,6 +9331,13 @@
   <p:clrMapOvr>
     <a:masterClrMapping/>
   </p:clrMapOvr>
+  <p:timing>
+    <p:tnLst>
+      <p:par>
+        <p:cTn id="1" dur="indefinite" restart="never" nodeType="tmRoot"/>
+      </p:par>
+    </p:tnLst>
+  </p:timing>
 </p:sld>
 </file>
 
@@ -10625,6 +10638,13 @@
   <p:clrMapOvr>
     <a:masterClrMapping/>
   </p:clrMapOvr>
+  <p:timing>
+    <p:tnLst>
+      <p:par>
+        <p:cTn id="1" dur="indefinite" restart="never" nodeType="tmRoot"/>
+      </p:par>
+    </p:tnLst>
+  </p:timing>
 </p:sld>
 </file>
 
@@ -10647,20 +10667,14 @@
       </p:grpSpPr>
       <p:sp>
         <p:nvSpPr>
-          <p:cNvPr id="4" name="矩形 3">
-            <a:extLst>
-              <a:ext uri="{FF2B5EF4-FFF2-40B4-BE49-F238E27FC236}">
-                <a16:creationId xmlns:a16="http://schemas.microsoft.com/office/drawing/2014/main" id="{AD7F739D-4C30-4282-954D-2D9AA2BADC5A}"/>
-              </a:ext>
-            </a:extLst>
-          </p:cNvPr>
+          <p:cNvPr id="2" name="矩形 1"/>
           <p:cNvSpPr/>
           <p:nvPr/>
         </p:nvSpPr>
         <p:spPr>
           <a:xfrm>
-            <a:off x="2139518" y="1748901"/>
-            <a:ext cx="1864311" cy="2441359"/>
+            <a:off x="1617784" y="1308296"/>
+            <a:ext cx="8904849" cy="4487593"/>
           </a:xfrm>
           <a:prstGeom prst="rect">
             <a:avLst/>
@@ -10668,7 +10682,7 @@
           <a:noFill/>
           <a:ln w="57150">
             <a:solidFill>
-              <a:srgbClr val="FF0000"/>
+              <a:schemeClr val="tx1"/>
             </a:solidFill>
           </a:ln>
         </p:spPr>
@@ -10693,512 +10707,28 @@
           <a:lstStyle/>
           <a:p>
             <a:pPr algn="ctr"/>
-            <a:endParaRPr lang="zh-CN" altLang="en-US" dirty="0"/>
-          </a:p>
-        </p:txBody>
-      </p:sp>
-      <p:sp>
-        <p:nvSpPr>
-          <p:cNvPr id="5" name="矩形 4">
-            <a:extLst>
-              <a:ext uri="{FF2B5EF4-FFF2-40B4-BE49-F238E27FC236}">
-                <a16:creationId xmlns:a16="http://schemas.microsoft.com/office/drawing/2014/main" id="{FF3D0C53-E58D-49AD-A54D-0C7128492797}"/>
-              </a:ext>
-            </a:extLst>
-          </p:cNvPr>
-          <p:cNvSpPr/>
-          <p:nvPr/>
-        </p:nvSpPr>
-        <p:spPr>
-          <a:xfrm>
-            <a:off x="2929630" y="987641"/>
-            <a:ext cx="1864311" cy="2441359"/>
-          </a:xfrm>
-          <a:prstGeom prst="rect">
-            <a:avLst/>
-          </a:prstGeom>
-          <a:noFill/>
-          <a:ln w="57150">
-            <a:solidFill>
-              <a:srgbClr val="00B050"/>
-            </a:solidFill>
-          </a:ln>
-        </p:spPr>
-        <p:style>
-          <a:lnRef idx="2">
-            <a:schemeClr val="accent1">
-              <a:shade val="50000"/>
-            </a:schemeClr>
-          </a:lnRef>
-          <a:fillRef idx="1">
-            <a:schemeClr val="accent1"/>
-          </a:fillRef>
-          <a:effectRef idx="0">
-            <a:schemeClr val="accent1"/>
-          </a:effectRef>
-          <a:fontRef idx="minor">
-            <a:schemeClr val="lt1"/>
-          </a:fontRef>
-        </p:style>
-        <p:txBody>
-          <a:bodyPr rtlCol="0" anchor="ctr"/>
-          <a:lstStyle/>
-          <a:p>
-            <a:pPr algn="ctr"/>
-            <a:endParaRPr lang="zh-CN" altLang="en-US" dirty="0"/>
-          </a:p>
-        </p:txBody>
-      </p:sp>
-      <p:sp>
-        <p:nvSpPr>
-          <p:cNvPr id="6" name="矩形 5">
-            <a:extLst>
-              <a:ext uri="{FF2B5EF4-FFF2-40B4-BE49-F238E27FC236}">
-                <a16:creationId xmlns:a16="http://schemas.microsoft.com/office/drawing/2014/main" id="{2DDE79F3-E6BC-412A-B745-52A6DCA876CF}"/>
-              </a:ext>
-            </a:extLst>
-          </p:cNvPr>
-          <p:cNvSpPr/>
-          <p:nvPr/>
-        </p:nvSpPr>
-        <p:spPr>
-          <a:xfrm>
-            <a:off x="7920360" y="1748901"/>
-            <a:ext cx="1864311" cy="2441359"/>
-          </a:xfrm>
-          <a:prstGeom prst="rect">
-            <a:avLst/>
-          </a:prstGeom>
-          <a:noFill/>
-          <a:ln w="57150">
-            <a:solidFill>
-              <a:srgbClr val="FF0000"/>
-            </a:solidFill>
-          </a:ln>
-        </p:spPr>
-        <p:style>
-          <a:lnRef idx="2">
-            <a:schemeClr val="accent1">
-              <a:shade val="50000"/>
-            </a:schemeClr>
-          </a:lnRef>
-          <a:fillRef idx="1">
-            <a:schemeClr val="accent1"/>
-          </a:fillRef>
-          <a:effectRef idx="0">
-            <a:schemeClr val="accent1"/>
-          </a:effectRef>
-          <a:fontRef idx="minor">
-            <a:schemeClr val="lt1"/>
-          </a:fontRef>
-        </p:style>
-        <p:txBody>
-          <a:bodyPr rtlCol="0" anchor="ctr"/>
-          <a:lstStyle/>
-          <a:p>
-            <a:pPr algn="ctr"/>
-            <a:endParaRPr lang="zh-CN" altLang="en-US" dirty="0"/>
-          </a:p>
-        </p:txBody>
-      </p:sp>
-      <p:sp>
-        <p:nvSpPr>
-          <p:cNvPr id="7" name="矩形 6">
-            <a:extLst>
-              <a:ext uri="{FF2B5EF4-FFF2-40B4-BE49-F238E27FC236}">
-                <a16:creationId xmlns:a16="http://schemas.microsoft.com/office/drawing/2014/main" id="{A383C746-62DC-4C6B-AD72-A4CBFADA435A}"/>
-              </a:ext>
-            </a:extLst>
-          </p:cNvPr>
-          <p:cNvSpPr/>
-          <p:nvPr/>
-        </p:nvSpPr>
-        <p:spPr>
-          <a:xfrm>
-            <a:off x="6641975" y="1748900"/>
-            <a:ext cx="1864311" cy="2441359"/>
-          </a:xfrm>
-          <a:prstGeom prst="rect">
-            <a:avLst/>
-          </a:prstGeom>
-          <a:noFill/>
-          <a:ln w="57150">
-            <a:solidFill>
-              <a:srgbClr val="00B050"/>
-            </a:solidFill>
-          </a:ln>
-        </p:spPr>
-        <p:style>
-          <a:lnRef idx="2">
-            <a:schemeClr val="accent1">
-              <a:shade val="50000"/>
-            </a:schemeClr>
-          </a:lnRef>
-          <a:fillRef idx="1">
-            <a:schemeClr val="accent1"/>
-          </a:fillRef>
-          <a:effectRef idx="0">
-            <a:schemeClr val="accent1"/>
-          </a:effectRef>
-          <a:fontRef idx="minor">
-            <a:schemeClr val="lt1"/>
-          </a:fontRef>
-        </p:style>
-        <p:txBody>
-          <a:bodyPr rtlCol="0" anchor="ctr"/>
-          <a:lstStyle/>
-          <a:p>
-            <a:pPr algn="ctr"/>
-            <a:endParaRPr lang="zh-CN" altLang="en-US" dirty="0"/>
-          </a:p>
-        </p:txBody>
-      </p:sp>
-      <p:sp>
-        <p:nvSpPr>
-          <p:cNvPr id="2" name="文本框 1">
-            <a:extLst>
-              <a:ext uri="{FF2B5EF4-FFF2-40B4-BE49-F238E27FC236}">
-                <a16:creationId xmlns:a16="http://schemas.microsoft.com/office/drawing/2014/main" id="{F8408724-EA07-4676-B1BE-17992765156C}"/>
-              </a:ext>
-            </a:extLst>
-          </p:cNvPr>
-          <p:cNvSpPr txBox="1"/>
-          <p:nvPr/>
-        </p:nvSpPr>
-        <p:spPr>
-          <a:xfrm>
-            <a:off x="2929630" y="4456590"/>
-            <a:ext cx="2068497" cy="369332"/>
-          </a:xfrm>
-          <a:prstGeom prst="rect">
-            <a:avLst/>
-          </a:prstGeom>
-          <a:noFill/>
-        </p:spPr>
-        <p:txBody>
-          <a:bodyPr wrap="square" rtlCol="0">
-            <a:spAutoFit/>
-          </a:bodyPr>
-          <a:lstStyle/>
-          <a:p>
-            <a:r>
-              <a:rPr lang="en-US" altLang="zh-CN" b="1" dirty="0">
-                <a:latin typeface="Times New Roman" panose="02020603050405020304" pitchFamily="18" charset="0"/>
-                <a:ea typeface="华文中宋" panose="02010600040101010101" pitchFamily="2" charset="-122"/>
-                <a:cs typeface="Times New Roman" panose="02020603050405020304" pitchFamily="18" charset="0"/>
-              </a:rPr>
-              <a:t>IOU=0.4</a:t>
-            </a:r>
-            <a:endParaRPr lang="zh-CN" altLang="en-US" b="1" dirty="0">
-              <a:latin typeface="Times New Roman" panose="02020603050405020304" pitchFamily="18" charset="0"/>
-              <a:ea typeface="华文中宋" panose="02010600040101010101" pitchFamily="2" charset="-122"/>
-              <a:cs typeface="Times New Roman" panose="02020603050405020304" pitchFamily="18" charset="0"/>
-            </a:endParaRPr>
-          </a:p>
-        </p:txBody>
-      </p:sp>
-      <p:sp>
-        <p:nvSpPr>
-          <p:cNvPr id="8" name="文本框 7">
-            <a:extLst>
-              <a:ext uri="{FF2B5EF4-FFF2-40B4-BE49-F238E27FC236}">
-                <a16:creationId xmlns:a16="http://schemas.microsoft.com/office/drawing/2014/main" id="{973B7793-DE7F-4561-8E3A-9149B7183068}"/>
-              </a:ext>
-            </a:extLst>
-          </p:cNvPr>
-          <p:cNvSpPr txBox="1"/>
-          <p:nvPr/>
-        </p:nvSpPr>
-        <p:spPr>
-          <a:xfrm>
-            <a:off x="7574130" y="4456590"/>
-            <a:ext cx="2068497" cy="369332"/>
-          </a:xfrm>
-          <a:prstGeom prst="rect">
-            <a:avLst/>
-          </a:prstGeom>
-          <a:noFill/>
-        </p:spPr>
-        <p:txBody>
-          <a:bodyPr wrap="square" rtlCol="0">
-            <a:spAutoFit/>
-          </a:bodyPr>
-          <a:lstStyle/>
-          <a:p>
-            <a:r>
-              <a:rPr lang="en-US" altLang="zh-CN" b="1" dirty="0">
-                <a:latin typeface="Times New Roman" panose="02020603050405020304" pitchFamily="18" charset="0"/>
-                <a:ea typeface="华文中宋" panose="02010600040101010101" pitchFamily="2" charset="-122"/>
-                <a:cs typeface="Times New Roman" panose="02020603050405020304" pitchFamily="18" charset="0"/>
-              </a:rPr>
-              <a:t>IOU=0.4</a:t>
-            </a:r>
-            <a:endParaRPr lang="zh-CN" altLang="en-US" b="1" dirty="0">
-              <a:latin typeface="Times New Roman" panose="02020603050405020304" pitchFamily="18" charset="0"/>
-              <a:ea typeface="华文中宋" panose="02010600040101010101" pitchFamily="2" charset="-122"/>
-              <a:cs typeface="Times New Roman" panose="02020603050405020304" pitchFamily="18" charset="0"/>
-            </a:endParaRPr>
-          </a:p>
-        </p:txBody>
-      </p:sp>
-    </p:spTree>
-    <p:extLst>
-      <p:ext uri="{BB962C8B-B14F-4D97-AF65-F5344CB8AC3E}">
-        <p14:creationId xmlns:p14="http://schemas.microsoft.com/office/powerpoint/2010/main" val="2648175727"/>
-      </p:ext>
-    </p:extLst>
-  </p:cSld>
-  <p:clrMapOvr>
-    <a:masterClrMapping/>
-  </p:clrMapOvr>
-</p:sld>
-</file>
-
-<file path=ppt/slides/slide5.xml><?xml version="1.0" encoding="utf-8"?>
-<p:sld xmlns:a="http://schemas.openxmlformats.org/drawingml/2006/main" xmlns:r="http://schemas.openxmlformats.org/officeDocument/2006/relationships" xmlns:p="http://schemas.openxmlformats.org/presentationml/2006/main">
-  <p:cSld>
-    <p:spTree>
-      <p:nvGrpSpPr>
-        <p:cNvPr id="1" name=""/>
-        <p:cNvGrpSpPr/>
-        <p:nvPr/>
-      </p:nvGrpSpPr>
-      <p:grpSpPr>
-        <a:xfrm>
-          <a:off x="0" y="0"/>
-          <a:ext cx="0" cy="0"/>
-          <a:chOff x="0" y="0"/>
-          <a:chExt cx="0" cy="0"/>
-        </a:xfrm>
-      </p:grpSpPr>
-      <p:sp>
-        <p:nvSpPr>
-          <p:cNvPr id="4" name="矩形 3">
-            <a:extLst>
-              <a:ext uri="{FF2B5EF4-FFF2-40B4-BE49-F238E27FC236}">
-                <a16:creationId xmlns:a16="http://schemas.microsoft.com/office/drawing/2014/main" id="{AD7F739D-4C30-4282-954D-2D9AA2BADC5A}"/>
-              </a:ext>
-            </a:extLst>
-          </p:cNvPr>
-          <p:cNvSpPr/>
-          <p:nvPr/>
-        </p:nvSpPr>
-        <p:spPr>
-          <a:xfrm>
-            <a:off x="2139518" y="1748901"/>
-            <a:ext cx="1864311" cy="2441359"/>
-          </a:xfrm>
-          <a:prstGeom prst="rect">
-            <a:avLst/>
-          </a:prstGeom>
-          <a:noFill/>
-          <a:ln w="57150">
-            <a:solidFill>
-              <a:srgbClr val="FF0000"/>
-            </a:solidFill>
-          </a:ln>
-        </p:spPr>
-        <p:style>
-          <a:lnRef idx="2">
-            <a:schemeClr val="accent1">
-              <a:shade val="50000"/>
-            </a:schemeClr>
-          </a:lnRef>
-          <a:fillRef idx="1">
-            <a:schemeClr val="accent1"/>
-          </a:fillRef>
-          <a:effectRef idx="0">
-            <a:schemeClr val="accent1"/>
-          </a:effectRef>
-          <a:fontRef idx="minor">
-            <a:schemeClr val="lt1"/>
-          </a:fontRef>
-        </p:style>
-        <p:txBody>
-          <a:bodyPr rtlCol="0" anchor="ctr"/>
-          <a:lstStyle/>
-          <a:p>
-            <a:pPr algn="ctr"/>
-            <a:endParaRPr lang="zh-CN" altLang="en-US" dirty="0"/>
-          </a:p>
-        </p:txBody>
-      </p:sp>
-      <p:sp>
-        <p:nvSpPr>
-          <p:cNvPr id="5" name="矩形 4">
-            <a:extLst>
-              <a:ext uri="{FF2B5EF4-FFF2-40B4-BE49-F238E27FC236}">
-                <a16:creationId xmlns:a16="http://schemas.microsoft.com/office/drawing/2014/main" id="{FF3D0C53-E58D-49AD-A54D-0C7128492797}"/>
-              </a:ext>
-            </a:extLst>
-          </p:cNvPr>
-          <p:cNvSpPr/>
-          <p:nvPr/>
-        </p:nvSpPr>
-        <p:spPr>
-          <a:xfrm>
-            <a:off x="2929630" y="987641"/>
-            <a:ext cx="1864311" cy="2441359"/>
-          </a:xfrm>
-          <a:prstGeom prst="rect">
-            <a:avLst/>
-          </a:prstGeom>
-          <a:noFill/>
-          <a:ln w="57150">
-            <a:solidFill>
-              <a:srgbClr val="00B050"/>
-            </a:solidFill>
-          </a:ln>
-        </p:spPr>
-        <p:style>
-          <a:lnRef idx="2">
-            <a:schemeClr val="accent1">
-              <a:shade val="50000"/>
-            </a:schemeClr>
-          </a:lnRef>
-          <a:fillRef idx="1">
-            <a:schemeClr val="accent1"/>
-          </a:fillRef>
-          <a:effectRef idx="0">
-            <a:schemeClr val="accent1"/>
-          </a:effectRef>
-          <a:fontRef idx="minor">
-            <a:schemeClr val="lt1"/>
-          </a:fontRef>
-        </p:style>
-        <p:txBody>
-          <a:bodyPr rtlCol="0" anchor="ctr"/>
-          <a:lstStyle/>
-          <a:p>
-            <a:pPr algn="ctr"/>
-            <a:endParaRPr lang="zh-CN" altLang="en-US" dirty="0"/>
-          </a:p>
-        </p:txBody>
-      </p:sp>
-      <p:sp>
-        <p:nvSpPr>
-          <p:cNvPr id="2" name="文本框 1">
-            <a:extLst>
-              <a:ext uri="{FF2B5EF4-FFF2-40B4-BE49-F238E27FC236}">
-                <a16:creationId xmlns:a16="http://schemas.microsoft.com/office/drawing/2014/main" id="{F8408724-EA07-4676-B1BE-17992765156C}"/>
-              </a:ext>
-            </a:extLst>
-          </p:cNvPr>
-          <p:cNvSpPr txBox="1"/>
-          <p:nvPr/>
-        </p:nvSpPr>
-        <p:spPr>
-          <a:xfrm>
-            <a:off x="2827536" y="5224038"/>
-            <a:ext cx="2068497" cy="369332"/>
-          </a:xfrm>
-          <a:prstGeom prst="rect">
-            <a:avLst/>
-          </a:prstGeom>
-          <a:noFill/>
-        </p:spPr>
-        <p:txBody>
-          <a:bodyPr wrap="square" rtlCol="0">
-            <a:spAutoFit/>
-          </a:bodyPr>
-          <a:lstStyle/>
-          <a:p>
-            <a:r>
-              <a:rPr lang="en-US" altLang="zh-CN" b="1" dirty="0">
-                <a:latin typeface="Times New Roman" panose="02020603050405020304" pitchFamily="18" charset="0"/>
-                <a:ea typeface="华文中宋" panose="02010600040101010101" pitchFamily="2" charset="-122"/>
-                <a:cs typeface="Times New Roman" panose="02020603050405020304" pitchFamily="18" charset="0"/>
-              </a:rPr>
-              <a:t>IOU=0.4</a:t>
-            </a:r>
-            <a:endParaRPr lang="zh-CN" altLang="en-US" b="1" dirty="0">
-              <a:latin typeface="Times New Roman" panose="02020603050405020304" pitchFamily="18" charset="0"/>
-              <a:ea typeface="华文中宋" panose="02010600040101010101" pitchFamily="2" charset="-122"/>
-              <a:cs typeface="Times New Roman" panose="02020603050405020304" pitchFamily="18" charset="0"/>
-            </a:endParaRPr>
-          </a:p>
-        </p:txBody>
-      </p:sp>
-      <p:sp>
-        <p:nvSpPr>
-          <p:cNvPr id="9" name="矩形 8">
-            <a:extLst>
-              <a:ext uri="{FF2B5EF4-FFF2-40B4-BE49-F238E27FC236}">
-                <a16:creationId xmlns:a16="http://schemas.microsoft.com/office/drawing/2014/main" id="{F234F552-218A-4182-BFEC-C182AA83CA52}"/>
-              </a:ext>
-            </a:extLst>
-          </p:cNvPr>
-          <p:cNvSpPr/>
-          <p:nvPr/>
-        </p:nvSpPr>
-        <p:spPr>
-          <a:xfrm>
-            <a:off x="2068497" y="923278"/>
-            <a:ext cx="2787587" cy="3346881"/>
-          </a:xfrm>
-          <a:prstGeom prst="rect">
-            <a:avLst/>
-          </a:prstGeom>
-          <a:noFill/>
-          <a:ln w="57150">
-            <a:solidFill>
-              <a:srgbClr val="00B0F0"/>
-            </a:solidFill>
-          </a:ln>
-        </p:spPr>
-        <p:style>
-          <a:lnRef idx="2">
-            <a:schemeClr val="accent1">
-              <a:shade val="50000"/>
-            </a:schemeClr>
-          </a:lnRef>
-          <a:fillRef idx="1">
-            <a:schemeClr val="accent1"/>
-          </a:fillRef>
-          <a:effectRef idx="0">
-            <a:schemeClr val="accent1"/>
-          </a:effectRef>
-          <a:fontRef idx="minor">
-            <a:schemeClr val="lt1"/>
-          </a:fontRef>
-        </p:style>
-        <p:txBody>
-          <a:bodyPr rtlCol="0" anchor="ctr"/>
-          <a:lstStyle/>
-          <a:p>
-            <a:pPr algn="ctr"/>
-            <a:endParaRPr lang="zh-CN" altLang="en-US" dirty="0"/>
+            <a:endParaRPr lang="zh-CN" altLang="en-US"/>
           </a:p>
         </p:txBody>
       </p:sp>
       <p:cxnSp>
         <p:nvCxnSpPr>
-          <p:cNvPr id="11" name="直接箭头连接符 10">
-            <a:extLst>
-              <a:ext uri="{FF2B5EF4-FFF2-40B4-BE49-F238E27FC236}">
-                <a16:creationId xmlns:a16="http://schemas.microsoft.com/office/drawing/2014/main" id="{FA7202D1-2176-4B92-A799-46DB6C9792ED}"/>
-              </a:ext>
-            </a:extLst>
-          </p:cNvPr>
-          <p:cNvCxnSpPr>
-            <a:cxnSpLocks/>
-          </p:cNvCxnSpPr>
+          <p:cNvPr id="11" name="直接连接符 10"/>
+          <p:cNvCxnSpPr/>
           <p:nvPr/>
         </p:nvCxnSpPr>
         <p:spPr>
-          <a:xfrm flipH="1">
-            <a:off x="2139518" y="987641"/>
-            <a:ext cx="2654424" cy="3202618"/>
-          </a:xfrm>
-          <a:prstGeom prst="straightConnector1">
-            <a:avLst/>
-          </a:prstGeom>
-          <a:ln w="57150">
+          <a:xfrm flipH="1" flipV="1">
+            <a:off x="1617784" y="1308296"/>
+            <a:ext cx="8904849" cy="4487593"/>
+          </a:xfrm>
+          <a:prstGeom prst="line">
+            <a:avLst/>
+          </a:prstGeom>
+          <a:ln w="28575">
             <a:solidFill>
-              <a:srgbClr val="00B0F0"/>
+              <a:schemeClr val="tx1"/>
             </a:solidFill>
-            <a:headEnd type="triangle"/>
-            <a:tailEnd type="triangle"/>
           </a:ln>
         </p:spPr>
         <p:style>
@@ -11218,32 +10748,224 @@
       </p:cxnSp>
       <p:cxnSp>
         <p:nvCxnSpPr>
-          <p:cNvPr id="15" name="直接箭头连接符 14">
-            <a:extLst>
-              <a:ext uri="{FF2B5EF4-FFF2-40B4-BE49-F238E27FC236}">
-                <a16:creationId xmlns:a16="http://schemas.microsoft.com/office/drawing/2014/main" id="{66E31D69-7A83-40F9-909D-3ACE3051EFD8}"/>
-              </a:ext>
-            </a:extLst>
-          </p:cNvPr>
-          <p:cNvCxnSpPr>
-            <a:cxnSpLocks/>
-          </p:cNvCxnSpPr>
+          <p:cNvPr id="33" name="直接连接符 32"/>
+          <p:cNvCxnSpPr/>
           <p:nvPr/>
         </p:nvCxnSpPr>
         <p:spPr>
-          <a:xfrm flipV="1">
-            <a:off x="3027285" y="2308195"/>
-            <a:ext cx="905523" cy="603681"/>
-          </a:xfrm>
-          <a:prstGeom prst="straightConnector1">
-            <a:avLst/>
-          </a:prstGeom>
-          <a:ln w="57150">
+          <a:xfrm flipH="1">
+            <a:off x="1617785" y="1336431"/>
+            <a:ext cx="8904849" cy="4459458"/>
+          </a:xfrm>
+          <a:prstGeom prst="line">
+            <a:avLst/>
+          </a:prstGeom>
+          <a:ln w="28575">
             <a:solidFill>
-              <a:srgbClr val="FF0000"/>
+              <a:schemeClr val="tx1"/>
             </a:solidFill>
-            <a:headEnd type="triangle"/>
-            <a:tailEnd type="triangle"/>
+          </a:ln>
+        </p:spPr>
+        <p:style>
+          <a:lnRef idx="1">
+            <a:schemeClr val="accent1"/>
+          </a:lnRef>
+          <a:fillRef idx="0">
+            <a:schemeClr val="accent1"/>
+          </a:fillRef>
+          <a:effectRef idx="0">
+            <a:schemeClr val="accent1"/>
+          </a:effectRef>
+          <a:fontRef idx="minor">
+            <a:schemeClr val="tx1"/>
+          </a:fontRef>
+        </p:style>
+      </p:cxnSp>
+      <p:sp>
+        <p:nvSpPr>
+          <p:cNvPr id="18" name="等腰三角形 17"/>
+          <p:cNvSpPr/>
+          <p:nvPr/>
+        </p:nvSpPr>
+        <p:spPr>
+          <a:xfrm>
+            <a:off x="1617783" y="3581988"/>
+            <a:ext cx="8904850" cy="2185766"/>
+          </a:xfrm>
+          <a:prstGeom prst="triangle">
+            <a:avLst>
+              <a:gd name="adj" fmla="val 50000"/>
+            </a:avLst>
+          </a:prstGeom>
+        </p:spPr>
+        <p:style>
+          <a:lnRef idx="3">
+            <a:schemeClr val="lt1"/>
+          </a:lnRef>
+          <a:fillRef idx="1">
+            <a:schemeClr val="accent2"/>
+          </a:fillRef>
+          <a:effectRef idx="1">
+            <a:schemeClr val="accent2"/>
+          </a:effectRef>
+          <a:fontRef idx="minor">
+            <a:schemeClr val="lt1"/>
+          </a:fontRef>
+        </p:style>
+        <p:txBody>
+          <a:bodyPr rtlCol="0" anchor="ctr"/>
+          <a:lstStyle/>
+          <a:p>
+            <a:pPr algn="ctr"/>
+            <a:endParaRPr lang="zh-CN" altLang="en-US"/>
+          </a:p>
+        </p:txBody>
+      </p:sp>
+      <p:sp>
+        <p:nvSpPr>
+          <p:cNvPr id="41" name="等腰三角形 40"/>
+          <p:cNvSpPr/>
+          <p:nvPr/>
+        </p:nvSpPr>
+        <p:spPr>
+          <a:xfrm rot="10800000">
+            <a:off x="1617783" y="1336431"/>
+            <a:ext cx="8904850" cy="2185766"/>
+          </a:xfrm>
+          <a:prstGeom prst="triangle">
+            <a:avLst>
+              <a:gd name="adj" fmla="val 50000"/>
+            </a:avLst>
+          </a:prstGeom>
+        </p:spPr>
+        <p:style>
+          <a:lnRef idx="2">
+            <a:schemeClr val="accent4">
+              <a:shade val="50000"/>
+            </a:schemeClr>
+          </a:lnRef>
+          <a:fillRef idx="1">
+            <a:schemeClr val="accent4"/>
+          </a:fillRef>
+          <a:effectRef idx="0">
+            <a:schemeClr val="accent4"/>
+          </a:effectRef>
+          <a:fontRef idx="minor">
+            <a:schemeClr val="lt1"/>
+          </a:fontRef>
+        </p:style>
+        <p:txBody>
+          <a:bodyPr rtlCol="0" anchor="ctr"/>
+          <a:lstStyle/>
+          <a:p>
+            <a:pPr algn="ctr"/>
+            <a:endParaRPr lang="zh-CN" altLang="en-US" dirty="0"/>
+          </a:p>
+        </p:txBody>
+      </p:sp>
+      <p:sp>
+        <p:nvSpPr>
+          <p:cNvPr id="20" name="等腰三角形 19"/>
+          <p:cNvSpPr/>
+          <p:nvPr/>
+        </p:nvSpPr>
+        <p:spPr>
+          <a:xfrm rot="5400000">
+            <a:off x="1635370" y="1311813"/>
+            <a:ext cx="4459459" cy="4452424"/>
+          </a:xfrm>
+          <a:prstGeom prst="triangle">
+            <a:avLst>
+              <a:gd name="adj" fmla="val 50315"/>
+            </a:avLst>
+          </a:prstGeom>
+        </p:spPr>
+        <p:style>
+          <a:lnRef idx="2">
+            <a:schemeClr val="accent1">
+              <a:shade val="50000"/>
+            </a:schemeClr>
+          </a:lnRef>
+          <a:fillRef idx="1">
+            <a:schemeClr val="accent1"/>
+          </a:fillRef>
+          <a:effectRef idx="0">
+            <a:schemeClr val="accent1"/>
+          </a:effectRef>
+          <a:fontRef idx="minor">
+            <a:schemeClr val="lt1"/>
+          </a:fontRef>
+        </p:style>
+        <p:txBody>
+          <a:bodyPr rtlCol="0" anchor="ctr"/>
+          <a:lstStyle/>
+          <a:p>
+            <a:pPr algn="ctr"/>
+            <a:endParaRPr lang="zh-CN" altLang="en-US"/>
+          </a:p>
+        </p:txBody>
+      </p:sp>
+      <p:sp>
+        <p:nvSpPr>
+          <p:cNvPr id="43" name="等腰三角形 42"/>
+          <p:cNvSpPr/>
+          <p:nvPr/>
+        </p:nvSpPr>
+        <p:spPr>
+          <a:xfrm rot="16200000">
+            <a:off x="6066692" y="1325880"/>
+            <a:ext cx="4459459" cy="4452424"/>
+          </a:xfrm>
+          <a:prstGeom prst="triangle">
+            <a:avLst>
+              <a:gd name="adj" fmla="val 50315"/>
+            </a:avLst>
+          </a:prstGeom>
+        </p:spPr>
+        <p:style>
+          <a:lnRef idx="2">
+            <a:schemeClr val="accent6">
+              <a:shade val="50000"/>
+            </a:schemeClr>
+          </a:lnRef>
+          <a:fillRef idx="1">
+            <a:schemeClr val="accent6"/>
+          </a:fillRef>
+          <a:effectRef idx="0">
+            <a:schemeClr val="accent6"/>
+          </a:effectRef>
+          <a:fontRef idx="minor">
+            <a:schemeClr val="lt1"/>
+          </a:fontRef>
+        </p:style>
+        <p:txBody>
+          <a:bodyPr rtlCol="0" anchor="ctr"/>
+          <a:lstStyle/>
+          <a:p>
+            <a:pPr algn="ctr"/>
+            <a:endParaRPr lang="zh-CN" altLang="en-US"/>
+          </a:p>
+        </p:txBody>
+      </p:sp>
+      <p:cxnSp>
+        <p:nvCxnSpPr>
+          <p:cNvPr id="4" name="直接连接符 3"/>
+          <p:cNvCxnSpPr/>
+          <p:nvPr/>
+        </p:nvCxnSpPr>
+        <p:spPr>
+          <a:xfrm>
+            <a:off x="6070208" y="1026942"/>
+            <a:ext cx="0" cy="5106572"/>
+          </a:xfrm>
+          <a:prstGeom prst="line">
+            <a:avLst/>
+          </a:prstGeom>
+          <a:ln>
+            <a:solidFill>
+              <a:schemeClr val="tx1"/>
+            </a:solidFill>
+            <a:prstDash val="lgDash"/>
           </a:ln>
         </p:spPr>
         <p:style>
@@ -11263,32 +10985,23 @@
       </p:cxnSp>
       <p:cxnSp>
         <p:nvCxnSpPr>
-          <p:cNvPr id="18" name="直接箭头连接符 17">
-            <a:extLst>
-              <a:ext uri="{FF2B5EF4-FFF2-40B4-BE49-F238E27FC236}">
-                <a16:creationId xmlns:a16="http://schemas.microsoft.com/office/drawing/2014/main" id="{2B037802-6141-424E-BD6F-9BBB9F811833}"/>
-              </a:ext>
-            </a:extLst>
-          </p:cNvPr>
-          <p:cNvCxnSpPr>
-            <a:cxnSpLocks/>
-          </p:cNvCxnSpPr>
+          <p:cNvPr id="26" name="直接连接符 25"/>
+          <p:cNvCxnSpPr/>
           <p:nvPr/>
         </p:nvCxnSpPr>
         <p:spPr>
           <a:xfrm flipH="1">
-            <a:off x="1981197" y="4587532"/>
-            <a:ext cx="646593" cy="0"/>
-          </a:xfrm>
-          <a:prstGeom prst="straightConnector1">
-            <a:avLst/>
-          </a:prstGeom>
-          <a:ln w="57150">
+            <a:off x="1139483" y="3552092"/>
+            <a:ext cx="9861452" cy="1"/>
+          </a:xfrm>
+          <a:prstGeom prst="line">
+            <a:avLst/>
+          </a:prstGeom>
+          <a:ln>
             <a:solidFill>
-              <a:srgbClr val="00B0F0"/>
+              <a:schemeClr val="tx1"/>
             </a:solidFill>
-            <a:headEnd type="triangle"/>
-            <a:tailEnd type="triangle"/>
+            <a:prstDash val="lgDash"/>
           </a:ln>
         </p:spPr>
         <p:style>
@@ -11306,67 +11019,16 @@
           </a:fontRef>
         </p:style>
       </p:cxnSp>
-      <p:cxnSp>
-        <p:nvCxnSpPr>
-          <p:cNvPr id="20" name="直接箭头连接符 19">
-            <a:extLst>
-              <a:ext uri="{FF2B5EF4-FFF2-40B4-BE49-F238E27FC236}">
-                <a16:creationId xmlns:a16="http://schemas.microsoft.com/office/drawing/2014/main" id="{5B175FA6-6114-47CC-8322-3B3A20A45CD8}"/>
-              </a:ext>
-            </a:extLst>
-          </p:cNvPr>
-          <p:cNvCxnSpPr>
-            <a:cxnSpLocks/>
-          </p:cNvCxnSpPr>
-          <p:nvPr/>
-        </p:nvCxnSpPr>
-        <p:spPr>
-          <a:xfrm flipH="1">
-            <a:off x="1981196" y="4926363"/>
-            <a:ext cx="646593" cy="0"/>
-          </a:xfrm>
-          <a:prstGeom prst="straightConnector1">
-            <a:avLst/>
-          </a:prstGeom>
-          <a:ln w="57150">
-            <a:solidFill>
-              <a:srgbClr val="FF0000"/>
-            </a:solidFill>
-            <a:headEnd type="triangle"/>
-            <a:tailEnd type="triangle"/>
-          </a:ln>
-        </p:spPr>
-        <p:style>
-          <a:lnRef idx="1">
-            <a:schemeClr val="accent1"/>
-          </a:lnRef>
-          <a:fillRef idx="0">
-            <a:schemeClr val="accent1"/>
-          </a:fillRef>
-          <a:effectRef idx="0">
-            <a:schemeClr val="accent1"/>
-          </a:effectRef>
-          <a:fontRef idx="minor">
-            <a:schemeClr val="tx1"/>
-          </a:fontRef>
-        </p:style>
-      </p:cxnSp>
-      <p:sp>
-        <p:nvSpPr>
-          <p:cNvPr id="21" name="文本框 20">
-            <a:extLst>
-              <a:ext uri="{FF2B5EF4-FFF2-40B4-BE49-F238E27FC236}">
-                <a16:creationId xmlns:a16="http://schemas.microsoft.com/office/drawing/2014/main" id="{4A2A2B62-1E76-475A-80F9-069FC531AA68}"/>
-              </a:ext>
-            </a:extLst>
-          </p:cNvPr>
+      <p:sp>
+        <p:nvSpPr>
+          <p:cNvPr id="22" name="文本框 21"/>
           <p:cNvSpPr txBox="1"/>
           <p:nvPr/>
         </p:nvSpPr>
         <p:spPr>
           <a:xfrm>
-            <a:off x="2667737" y="4456132"/>
-            <a:ext cx="3821837" cy="276999"/>
+            <a:off x="4659923" y="1921041"/>
+            <a:ext cx="1410284" cy="523220"/>
           </a:xfrm>
           <a:prstGeom prst="rect">
             <a:avLst/>
@@ -11380,40 +11042,31 @@
           <a:lstStyle/>
           <a:p>
             <a:r>
-              <a:rPr lang="en-US" altLang="zh-CN" sz="1200" dirty="0">
+              <a:rPr lang="en-US" altLang="zh-CN" sz="2800" b="1" dirty="0" smtClean="0">
                 <a:latin typeface="Times New Roman" panose="02020603050405020304" pitchFamily="18" charset="0"/>
-                <a:ea typeface="华文中宋" panose="02010600040101010101" pitchFamily="2" charset="-122"/>
+                <a:ea typeface="Tahoma" panose="020B0604030504040204" pitchFamily="34" charset="0"/>
                 <a:cs typeface="Times New Roman" panose="02020603050405020304" pitchFamily="18" charset="0"/>
               </a:rPr>
-              <a:t>Distance_A</a:t>
-            </a:r>
-            <a:r>
-              <a:rPr lang="zh-CN" altLang="en-US" sz="1200" dirty="0">
-                <a:latin typeface="Times New Roman" panose="02020603050405020304" pitchFamily="18" charset="0"/>
-                <a:ea typeface="华文中宋" panose="02010600040101010101" pitchFamily="2" charset="-122"/>
-                <a:cs typeface="Times New Roman" panose="02020603050405020304" pitchFamily="18" charset="0"/>
-              </a:rPr>
-              <a:t>：外接矩形框对角线距离</a:t>
-            </a:r>
-          </a:p>
-        </p:txBody>
-      </p:sp>
-      <p:sp>
-        <p:nvSpPr>
-          <p:cNvPr id="22" name="文本框 21">
-            <a:extLst>
-              <a:ext uri="{FF2B5EF4-FFF2-40B4-BE49-F238E27FC236}">
-                <a16:creationId xmlns:a16="http://schemas.microsoft.com/office/drawing/2014/main" id="{691BCABB-5BF5-497C-B166-25E2B7C42F41}"/>
-              </a:ext>
-            </a:extLst>
-          </p:cNvPr>
+              <a:t>A_left</a:t>
+            </a:r>
+            <a:endParaRPr lang="zh-CN" altLang="en-US" sz="2800" b="1" dirty="0">
+              <a:latin typeface="Times New Roman" panose="02020603050405020304" pitchFamily="18" charset="0"/>
+              <a:ea typeface="宋体" panose="02010600030101010101" pitchFamily="2" charset="-122"/>
+              <a:cs typeface="Times New Roman" panose="02020603050405020304" pitchFamily="18" charset="0"/>
+            </a:endParaRPr>
+          </a:p>
+        </p:txBody>
+      </p:sp>
+      <p:sp>
+        <p:nvSpPr>
+          <p:cNvPr id="44" name="文本框 43"/>
           <p:cNvSpPr txBox="1"/>
           <p:nvPr/>
         </p:nvSpPr>
         <p:spPr>
           <a:xfrm>
-            <a:off x="2681053" y="4777521"/>
-            <a:ext cx="3821837" cy="276999"/>
+            <a:off x="6548506" y="1921041"/>
+            <a:ext cx="1410284" cy="523220"/>
           </a:xfrm>
           <a:prstGeom prst="rect">
             <a:avLst/>
@@ -11427,46 +11080,191 @@
           <a:lstStyle/>
           <a:p>
             <a:r>
-              <a:rPr lang="en-US" altLang="zh-CN" sz="1200" dirty="0" err="1">
+              <a:rPr lang="en-US" altLang="zh-CN" sz="2800" b="1" dirty="0" smtClean="0">
                 <a:latin typeface="Times New Roman" panose="02020603050405020304" pitchFamily="18" charset="0"/>
-                <a:ea typeface="华文中宋" panose="02010600040101010101" pitchFamily="2" charset="-122"/>
+                <a:ea typeface="Tahoma" panose="020B0604030504040204" pitchFamily="34" charset="0"/>
                 <a:cs typeface="Times New Roman" panose="02020603050405020304" pitchFamily="18" charset="0"/>
               </a:rPr>
-              <a:t>Distance_B</a:t>
-            </a:r>
-            <a:r>
-              <a:rPr lang="zh-CN" altLang="en-US" sz="1200" dirty="0">
+              <a:t>A_right</a:t>
+            </a:r>
+            <a:endParaRPr lang="zh-CN" altLang="en-US" sz="2800" b="1" dirty="0">
+              <a:latin typeface="Times New Roman" panose="02020603050405020304" pitchFamily="18" charset="0"/>
+              <a:ea typeface="宋体" panose="02010600030101010101" pitchFamily="2" charset="-122"/>
+              <a:cs typeface="Times New Roman" panose="02020603050405020304" pitchFamily="18" charset="0"/>
+            </a:endParaRPr>
+          </a:p>
+        </p:txBody>
+      </p:sp>
+      <p:sp>
+        <p:nvSpPr>
+          <p:cNvPr id="45" name="文本框 44"/>
+          <p:cNvSpPr txBox="1"/>
+          <p:nvPr/>
+        </p:nvSpPr>
+        <p:spPr>
+          <a:xfrm>
+            <a:off x="3001694" y="3429400"/>
+            <a:ext cx="561535" cy="523220"/>
+          </a:xfrm>
+          <a:prstGeom prst="rect">
+            <a:avLst/>
+          </a:prstGeom>
+          <a:noFill/>
+        </p:spPr>
+        <p:txBody>
+          <a:bodyPr wrap="square" rtlCol="0">
+            <a:spAutoFit/>
+          </a:bodyPr>
+          <a:lstStyle/>
+          <a:p>
+            <a:r>
+              <a:rPr lang="en-US" altLang="zh-CN" sz="2800" b="1" dirty="0" smtClean="0">
                 <a:latin typeface="Times New Roman" panose="02020603050405020304" pitchFamily="18" charset="0"/>
-                <a:ea typeface="华文中宋" panose="02010600040101010101" pitchFamily="2" charset="-122"/>
+                <a:ea typeface="Tahoma" panose="020B0604030504040204" pitchFamily="34" charset="0"/>
                 <a:cs typeface="Times New Roman" panose="02020603050405020304" pitchFamily="18" charset="0"/>
               </a:rPr>
-              <a:t>：两个矩形框中心点距离</a:t>
-            </a:r>
-          </a:p>
-        </p:txBody>
-      </p:sp>
-      <p:sp>
-        <p:nvSpPr>
-          <p:cNvPr id="12" name="矩形 11">
-            <a:extLst>
-              <a:ext uri="{FF2B5EF4-FFF2-40B4-BE49-F238E27FC236}">
-                <a16:creationId xmlns:a16="http://schemas.microsoft.com/office/drawing/2014/main" id="{AC9B130F-3102-414E-8B8F-D82AAFF2F83A}"/>
-              </a:ext>
-            </a:extLst>
-          </p:cNvPr>
+              <a:t>B</a:t>
+            </a:r>
+            <a:endParaRPr lang="zh-CN" altLang="en-US" sz="2800" b="1" dirty="0">
+              <a:latin typeface="Times New Roman" panose="02020603050405020304" pitchFamily="18" charset="0"/>
+              <a:ea typeface="宋体" panose="02010600030101010101" pitchFamily="2" charset="-122"/>
+              <a:cs typeface="Times New Roman" panose="02020603050405020304" pitchFamily="18" charset="0"/>
+            </a:endParaRPr>
+          </a:p>
+        </p:txBody>
+      </p:sp>
+      <p:sp>
+        <p:nvSpPr>
+          <p:cNvPr id="46" name="文本框 45"/>
+          <p:cNvSpPr txBox="1"/>
+          <p:nvPr/>
+        </p:nvSpPr>
+        <p:spPr>
+          <a:xfrm>
+            <a:off x="6028003" y="4659922"/>
+            <a:ext cx="561535" cy="523220"/>
+          </a:xfrm>
+          <a:prstGeom prst="rect">
+            <a:avLst/>
+          </a:prstGeom>
+          <a:noFill/>
+        </p:spPr>
+        <p:txBody>
+          <a:bodyPr wrap="square" rtlCol="0">
+            <a:spAutoFit/>
+          </a:bodyPr>
+          <a:lstStyle/>
+          <a:p>
+            <a:r>
+              <a:rPr lang="en-US" altLang="zh-CN" sz="2800" b="1" dirty="0">
+                <a:latin typeface="Times New Roman" panose="02020603050405020304" pitchFamily="18" charset="0"/>
+                <a:ea typeface="Tahoma" panose="020B0604030504040204" pitchFamily="34" charset="0"/>
+                <a:cs typeface="Times New Roman" panose="02020603050405020304" pitchFamily="18" charset="0"/>
+              </a:rPr>
+              <a:t>C</a:t>
+            </a:r>
+            <a:endParaRPr lang="zh-CN" altLang="en-US" sz="2800" b="1" dirty="0">
+              <a:latin typeface="Times New Roman" panose="02020603050405020304" pitchFamily="18" charset="0"/>
+              <a:ea typeface="宋体" panose="02010600030101010101" pitchFamily="2" charset="-122"/>
+              <a:cs typeface="Times New Roman" panose="02020603050405020304" pitchFamily="18" charset="0"/>
+            </a:endParaRPr>
+          </a:p>
+        </p:txBody>
+      </p:sp>
+      <p:sp>
+        <p:nvSpPr>
+          <p:cNvPr id="49" name="文本框 48"/>
+          <p:cNvSpPr txBox="1"/>
+          <p:nvPr/>
+        </p:nvSpPr>
+        <p:spPr>
+          <a:xfrm>
+            <a:off x="8296421" y="3433318"/>
+            <a:ext cx="561535" cy="523220"/>
+          </a:xfrm>
+          <a:prstGeom prst="rect">
+            <a:avLst/>
+          </a:prstGeom>
+          <a:noFill/>
+        </p:spPr>
+        <p:txBody>
+          <a:bodyPr wrap="square" rtlCol="0">
+            <a:spAutoFit/>
+          </a:bodyPr>
+          <a:lstStyle/>
+          <a:p>
+            <a:r>
+              <a:rPr lang="en-US" altLang="zh-CN" sz="2800" b="1" dirty="0">
+                <a:latin typeface="Times New Roman" panose="02020603050405020304" pitchFamily="18" charset="0"/>
+                <a:ea typeface="Tahoma" panose="020B0604030504040204" pitchFamily="34" charset="0"/>
+                <a:cs typeface="Times New Roman" panose="02020603050405020304" pitchFamily="18" charset="0"/>
+              </a:rPr>
+              <a:t>D</a:t>
+            </a:r>
+            <a:endParaRPr lang="zh-CN" altLang="en-US" sz="2800" b="1" dirty="0">
+              <a:latin typeface="Times New Roman" panose="02020603050405020304" pitchFamily="18" charset="0"/>
+              <a:ea typeface="宋体" panose="02010600030101010101" pitchFamily="2" charset="-122"/>
+              <a:cs typeface="Times New Roman" panose="02020603050405020304" pitchFamily="18" charset="0"/>
+            </a:endParaRPr>
+          </a:p>
+        </p:txBody>
+      </p:sp>
+      <p:sp>
+        <p:nvSpPr>
+          <p:cNvPr id="53" name="文本框 52"/>
+          <p:cNvSpPr txBox="1"/>
+          <p:nvPr/>
+        </p:nvSpPr>
+        <p:spPr>
+          <a:xfrm>
+            <a:off x="2412020" y="4168155"/>
+            <a:ext cx="1389771" cy="523220"/>
+          </a:xfrm>
+          <a:prstGeom prst="rect">
+            <a:avLst/>
+          </a:prstGeom>
+          <a:noFill/>
+        </p:spPr>
+        <p:txBody>
+          <a:bodyPr wrap="square" rtlCol="0">
+            <a:spAutoFit/>
+          </a:bodyPr>
+          <a:lstStyle/>
+          <a:p>
+            <a:r>
+              <a:rPr lang="en-US" altLang="zh-CN" sz="2800" b="1" dirty="0" smtClean="0">
+                <a:latin typeface="Times New Roman" panose="02020603050405020304" pitchFamily="18" charset="0"/>
+                <a:ea typeface="Tahoma" panose="020B0604030504040204" pitchFamily="34" charset="0"/>
+                <a:cs typeface="Times New Roman" panose="02020603050405020304" pitchFamily="18" charset="0"/>
+              </a:rPr>
+              <a:t>P(x, y)</a:t>
+            </a:r>
+            <a:endParaRPr lang="zh-CN" altLang="en-US" sz="2800" b="1" dirty="0">
+              <a:latin typeface="Times New Roman" panose="02020603050405020304" pitchFamily="18" charset="0"/>
+              <a:ea typeface="宋体" panose="02010600030101010101" pitchFamily="2" charset="-122"/>
+              <a:cs typeface="Times New Roman" panose="02020603050405020304" pitchFamily="18" charset="0"/>
+            </a:endParaRPr>
+          </a:p>
+        </p:txBody>
+      </p:sp>
+      <p:sp>
+        <p:nvSpPr>
+          <p:cNvPr id="28" name="十字星 27"/>
           <p:cNvSpPr/>
           <p:nvPr/>
         </p:nvSpPr>
         <p:spPr>
           <a:xfrm>
-            <a:off x="8201490" y="1748901"/>
-            <a:ext cx="1864311" cy="2441359"/>
-          </a:xfrm>
-          <a:prstGeom prst="rect">
-            <a:avLst/>
-          </a:prstGeom>
-          <a:noFill/>
-          <a:ln w="57150">
+            <a:off x="2215070" y="4400273"/>
+            <a:ext cx="351693" cy="361642"/>
+          </a:xfrm>
+          <a:prstGeom prst="star4">
+            <a:avLst/>
+          </a:prstGeom>
+          <a:solidFill>
+            <a:srgbClr val="FF0000"/>
+          </a:solidFill>
+          <a:ln>
             <a:solidFill>
               <a:srgbClr val="FF0000"/>
             </a:solidFill>
@@ -11493,674 +11291,27 @@
           <a:lstStyle/>
           <a:p>
             <a:pPr algn="ctr"/>
-            <a:endParaRPr lang="zh-CN" altLang="en-US" dirty="0"/>
-          </a:p>
-        </p:txBody>
-      </p:sp>
-      <p:sp>
-        <p:nvSpPr>
-          <p:cNvPr id="13" name="矩形 12">
-            <a:extLst>
-              <a:ext uri="{FF2B5EF4-FFF2-40B4-BE49-F238E27FC236}">
-                <a16:creationId xmlns:a16="http://schemas.microsoft.com/office/drawing/2014/main" id="{9C173E65-0C25-49C4-8BEE-7D30B614C9AE}"/>
-              </a:ext>
-            </a:extLst>
-          </p:cNvPr>
-          <p:cNvSpPr/>
-          <p:nvPr/>
-        </p:nvSpPr>
-        <p:spPr>
-          <a:xfrm>
-            <a:off x="8991602" y="987641"/>
-            <a:ext cx="1864311" cy="2441359"/>
-          </a:xfrm>
-          <a:prstGeom prst="rect">
-            <a:avLst/>
-          </a:prstGeom>
-          <a:noFill/>
-          <a:ln w="57150">
-            <a:solidFill>
-              <a:srgbClr val="00B050"/>
-            </a:solidFill>
-          </a:ln>
-        </p:spPr>
-        <p:style>
-          <a:lnRef idx="2">
-            <a:schemeClr val="accent1">
-              <a:shade val="50000"/>
-            </a:schemeClr>
-          </a:lnRef>
-          <a:fillRef idx="1">
-            <a:schemeClr val="accent1"/>
-          </a:fillRef>
-          <a:effectRef idx="0">
-            <a:schemeClr val="accent1"/>
-          </a:effectRef>
-          <a:fontRef idx="minor">
-            <a:schemeClr val="lt1"/>
-          </a:fontRef>
-        </p:style>
-        <p:txBody>
-          <a:bodyPr rtlCol="0" anchor="ctr"/>
-          <a:lstStyle/>
-          <a:p>
-            <a:pPr algn="ctr"/>
-            <a:endParaRPr lang="zh-CN" altLang="en-US" dirty="0"/>
-          </a:p>
-        </p:txBody>
-      </p:sp>
-      <p:sp>
-        <p:nvSpPr>
-          <p:cNvPr id="16" name="矩形 15">
-            <a:extLst>
-              <a:ext uri="{FF2B5EF4-FFF2-40B4-BE49-F238E27FC236}">
-                <a16:creationId xmlns:a16="http://schemas.microsoft.com/office/drawing/2014/main" id="{94A4D8AC-56DE-4BA8-B663-F01343107E3E}"/>
-              </a:ext>
-            </a:extLst>
-          </p:cNvPr>
-          <p:cNvSpPr/>
-          <p:nvPr/>
-        </p:nvSpPr>
-        <p:spPr>
-          <a:xfrm>
-            <a:off x="8130469" y="923278"/>
-            <a:ext cx="2787587" cy="3346881"/>
-          </a:xfrm>
-          <a:prstGeom prst="rect">
-            <a:avLst/>
-          </a:prstGeom>
-          <a:noFill/>
-          <a:ln w="57150">
-            <a:solidFill>
-              <a:srgbClr val="00B0F0"/>
-            </a:solidFill>
-          </a:ln>
-        </p:spPr>
-        <p:style>
-          <a:lnRef idx="2">
-            <a:schemeClr val="accent1">
-              <a:shade val="50000"/>
-            </a:schemeClr>
-          </a:lnRef>
-          <a:fillRef idx="1">
-            <a:schemeClr val="accent1"/>
-          </a:fillRef>
-          <a:effectRef idx="0">
-            <a:schemeClr val="accent1"/>
-          </a:effectRef>
-          <a:fontRef idx="minor">
-            <a:schemeClr val="lt1"/>
-          </a:fontRef>
-        </p:style>
-        <p:txBody>
-          <a:bodyPr rtlCol="0" anchor="ctr"/>
-          <a:lstStyle/>
-          <a:p>
-            <a:pPr algn="ctr"/>
-            <a:endParaRPr lang="zh-CN" altLang="en-US" dirty="0"/>
-          </a:p>
-        </p:txBody>
-      </p:sp>
-      <p:sp>
-        <p:nvSpPr>
-          <p:cNvPr id="25" name="文本框 24">
-            <a:extLst>
-              <a:ext uri="{FF2B5EF4-FFF2-40B4-BE49-F238E27FC236}">
-                <a16:creationId xmlns:a16="http://schemas.microsoft.com/office/drawing/2014/main" id="{F126B3AE-43DE-4A6A-B4B5-E907804E5DD5}"/>
-              </a:ext>
-            </a:extLst>
-          </p:cNvPr>
-          <p:cNvSpPr txBox="1"/>
-          <p:nvPr/>
-        </p:nvSpPr>
-        <p:spPr>
-          <a:xfrm>
-            <a:off x="8790372" y="4313046"/>
-            <a:ext cx="982461" cy="276999"/>
-          </a:xfrm>
-          <a:prstGeom prst="rect">
-            <a:avLst/>
-          </a:prstGeom>
-          <a:noFill/>
-        </p:spPr>
-        <p:txBody>
-          <a:bodyPr wrap="square" rtlCol="0">
-            <a:spAutoFit/>
-          </a:bodyPr>
-          <a:lstStyle/>
-          <a:p>
-            <a:r>
-              <a:rPr lang="zh-CN" altLang="en-US" sz="1200" dirty="0">
-                <a:latin typeface="Times New Roman" panose="02020603050405020304" pitchFamily="18" charset="0"/>
-                <a:ea typeface="华文中宋" panose="02010600040101010101" pitchFamily="2" charset="-122"/>
-                <a:cs typeface="Times New Roman" panose="02020603050405020304" pitchFamily="18" charset="0"/>
-              </a:rPr>
-              <a:t>矩形框：</a:t>
-            </a:r>
-            <a:r>
-              <a:rPr lang="en-US" altLang="zh-CN" sz="1200" dirty="0">
-                <a:latin typeface="Times New Roman" panose="02020603050405020304" pitchFamily="18" charset="0"/>
-                <a:ea typeface="华文中宋" panose="02010600040101010101" pitchFamily="2" charset="-122"/>
-                <a:cs typeface="Times New Roman" panose="02020603050405020304" pitchFamily="18" charset="0"/>
-              </a:rPr>
-              <a:t>A</a:t>
-            </a:r>
-            <a:endParaRPr lang="zh-CN" altLang="en-US" sz="1200" dirty="0">
-              <a:latin typeface="Times New Roman" panose="02020603050405020304" pitchFamily="18" charset="0"/>
-              <a:ea typeface="华文中宋" panose="02010600040101010101" pitchFamily="2" charset="-122"/>
-              <a:cs typeface="Times New Roman" panose="02020603050405020304" pitchFamily="18" charset="0"/>
-            </a:endParaRPr>
-          </a:p>
-        </p:txBody>
-      </p:sp>
-      <p:sp>
-        <p:nvSpPr>
-          <p:cNvPr id="26" name="文本框 25">
-            <a:extLst>
-              <a:ext uri="{FF2B5EF4-FFF2-40B4-BE49-F238E27FC236}">
-                <a16:creationId xmlns:a16="http://schemas.microsoft.com/office/drawing/2014/main" id="{D20D16CF-98AA-4AB8-A785-6E7FB3740860}"/>
-              </a:ext>
-            </a:extLst>
-          </p:cNvPr>
-          <p:cNvSpPr txBox="1"/>
-          <p:nvPr/>
-        </p:nvSpPr>
-        <p:spPr>
-          <a:xfrm>
-            <a:off x="8790372" y="4562578"/>
-            <a:ext cx="1102308" cy="276999"/>
-          </a:xfrm>
-          <a:prstGeom prst="rect">
-            <a:avLst/>
-          </a:prstGeom>
-          <a:noFill/>
-        </p:spPr>
-        <p:txBody>
-          <a:bodyPr wrap="square" rtlCol="0">
-            <a:spAutoFit/>
-          </a:bodyPr>
-          <a:lstStyle/>
-          <a:p>
-            <a:r>
-              <a:rPr lang="zh-CN" altLang="en-US" sz="1200" dirty="0">
-                <a:latin typeface="Times New Roman" panose="02020603050405020304" pitchFamily="18" charset="0"/>
-                <a:ea typeface="华文中宋" panose="02010600040101010101" pitchFamily="2" charset="-122"/>
-                <a:cs typeface="Times New Roman" panose="02020603050405020304" pitchFamily="18" charset="0"/>
-              </a:rPr>
-              <a:t>矩形框：</a:t>
-            </a:r>
-            <a:r>
-              <a:rPr lang="en-US" altLang="zh-CN" sz="1200" dirty="0">
-                <a:latin typeface="Times New Roman" panose="02020603050405020304" pitchFamily="18" charset="0"/>
-                <a:ea typeface="华文中宋" panose="02010600040101010101" pitchFamily="2" charset="-122"/>
-                <a:cs typeface="Times New Roman" panose="02020603050405020304" pitchFamily="18" charset="0"/>
-              </a:rPr>
-              <a:t>B</a:t>
-            </a:r>
-            <a:endParaRPr lang="zh-CN" altLang="en-US" sz="1200" dirty="0">
-              <a:latin typeface="Times New Roman" panose="02020603050405020304" pitchFamily="18" charset="0"/>
-              <a:ea typeface="华文中宋" panose="02010600040101010101" pitchFamily="2" charset="-122"/>
-              <a:cs typeface="Times New Roman" panose="02020603050405020304" pitchFamily="18" charset="0"/>
-            </a:endParaRPr>
-          </a:p>
-        </p:txBody>
-      </p:sp>
-      <p:sp>
-        <p:nvSpPr>
-          <p:cNvPr id="27" name="矩形 26">
-            <a:extLst>
-              <a:ext uri="{FF2B5EF4-FFF2-40B4-BE49-F238E27FC236}">
-                <a16:creationId xmlns:a16="http://schemas.microsoft.com/office/drawing/2014/main" id="{8B47DDDC-F88D-46F0-BCBC-8C375740602E}"/>
-              </a:ext>
-            </a:extLst>
-          </p:cNvPr>
-          <p:cNvSpPr/>
-          <p:nvPr/>
-        </p:nvSpPr>
-        <p:spPr>
-          <a:xfrm>
-            <a:off x="8201490" y="987641"/>
-            <a:ext cx="727969" cy="681361"/>
-          </a:xfrm>
-          <a:prstGeom prst="rect">
-            <a:avLst/>
-          </a:prstGeom>
-          <a:solidFill>
-            <a:srgbClr val="FFC000"/>
-          </a:solidFill>
-          <a:ln w="57150">
-            <a:solidFill>
-              <a:srgbClr val="FFC000"/>
-            </a:solidFill>
-          </a:ln>
-        </p:spPr>
-        <p:style>
-          <a:lnRef idx="2">
-            <a:schemeClr val="accent1">
-              <a:shade val="50000"/>
-            </a:schemeClr>
-          </a:lnRef>
-          <a:fillRef idx="1">
-            <a:schemeClr val="accent1"/>
-          </a:fillRef>
-          <a:effectRef idx="0">
-            <a:schemeClr val="accent1"/>
-          </a:effectRef>
-          <a:fontRef idx="minor">
-            <a:schemeClr val="lt1"/>
-          </a:fontRef>
-        </p:style>
-        <p:txBody>
-          <a:bodyPr rtlCol="0" anchor="ctr"/>
-          <a:lstStyle/>
-          <a:p>
-            <a:pPr algn="ctr"/>
-            <a:endParaRPr lang="zh-CN" altLang="en-US" dirty="0"/>
-          </a:p>
-        </p:txBody>
-      </p:sp>
-      <p:sp>
-        <p:nvSpPr>
-          <p:cNvPr id="28" name="矩形 27">
-            <a:extLst>
-              <a:ext uri="{FF2B5EF4-FFF2-40B4-BE49-F238E27FC236}">
-                <a16:creationId xmlns:a16="http://schemas.microsoft.com/office/drawing/2014/main" id="{F9A589C9-D113-4CE9-9526-53DEC653B94E}"/>
-              </a:ext>
-            </a:extLst>
-          </p:cNvPr>
-          <p:cNvSpPr/>
-          <p:nvPr/>
-        </p:nvSpPr>
-        <p:spPr>
-          <a:xfrm>
-            <a:off x="10127944" y="3493363"/>
-            <a:ext cx="727969" cy="681361"/>
-          </a:xfrm>
-          <a:prstGeom prst="rect">
-            <a:avLst/>
-          </a:prstGeom>
-          <a:solidFill>
-            <a:srgbClr val="FFC000"/>
-          </a:solidFill>
-          <a:ln w="57150">
-            <a:solidFill>
-              <a:srgbClr val="FFC000"/>
-            </a:solidFill>
-          </a:ln>
-        </p:spPr>
-        <p:style>
-          <a:lnRef idx="2">
-            <a:schemeClr val="accent1">
-              <a:shade val="50000"/>
-            </a:schemeClr>
-          </a:lnRef>
-          <a:fillRef idx="1">
-            <a:schemeClr val="accent1"/>
-          </a:fillRef>
-          <a:effectRef idx="0">
-            <a:schemeClr val="accent1"/>
-          </a:effectRef>
-          <a:fontRef idx="minor">
-            <a:schemeClr val="lt1"/>
-          </a:fontRef>
-        </p:style>
-        <p:txBody>
-          <a:bodyPr rtlCol="0" anchor="ctr"/>
-          <a:lstStyle/>
-          <a:p>
-            <a:pPr algn="ctr"/>
-            <a:endParaRPr lang="zh-CN" altLang="en-US" dirty="0"/>
-          </a:p>
-        </p:txBody>
-      </p:sp>
-      <p:sp>
-        <p:nvSpPr>
-          <p:cNvPr id="29" name="矩形 28">
-            <a:extLst>
-              <a:ext uri="{FF2B5EF4-FFF2-40B4-BE49-F238E27FC236}">
-                <a16:creationId xmlns:a16="http://schemas.microsoft.com/office/drawing/2014/main" id="{880A10C6-B68C-4952-9C97-62894CD18958}"/>
-              </a:ext>
-            </a:extLst>
-          </p:cNvPr>
-          <p:cNvSpPr/>
-          <p:nvPr/>
-        </p:nvSpPr>
-        <p:spPr>
-          <a:xfrm>
-            <a:off x="8424907" y="4904443"/>
-            <a:ext cx="255973" cy="137085"/>
-          </a:xfrm>
-          <a:prstGeom prst="rect">
-            <a:avLst/>
-          </a:prstGeom>
-          <a:noFill/>
-          <a:ln w="28575">
-            <a:solidFill>
-              <a:srgbClr val="00B0F0"/>
-            </a:solidFill>
-          </a:ln>
-        </p:spPr>
-        <p:style>
-          <a:lnRef idx="2">
-            <a:schemeClr val="accent1">
-              <a:shade val="50000"/>
-            </a:schemeClr>
-          </a:lnRef>
-          <a:fillRef idx="1">
-            <a:schemeClr val="accent1"/>
-          </a:fillRef>
-          <a:effectRef idx="0">
-            <a:schemeClr val="accent1"/>
-          </a:effectRef>
-          <a:fontRef idx="minor">
-            <a:schemeClr val="lt1"/>
-          </a:fontRef>
-        </p:style>
-        <p:txBody>
-          <a:bodyPr rtlCol="0" anchor="ctr"/>
-          <a:lstStyle/>
-          <a:p>
-            <a:pPr algn="ctr"/>
-            <a:endParaRPr lang="zh-CN" altLang="en-US" dirty="0"/>
-          </a:p>
-        </p:txBody>
-      </p:sp>
-      <p:sp>
-        <p:nvSpPr>
-          <p:cNvPr id="30" name="矩形 29">
-            <a:extLst>
-              <a:ext uri="{FF2B5EF4-FFF2-40B4-BE49-F238E27FC236}">
-                <a16:creationId xmlns:a16="http://schemas.microsoft.com/office/drawing/2014/main" id="{3C9CFEAD-B170-4625-85F0-43B321115AD9}"/>
-              </a:ext>
-            </a:extLst>
-          </p:cNvPr>
-          <p:cNvSpPr/>
-          <p:nvPr/>
-        </p:nvSpPr>
-        <p:spPr>
-          <a:xfrm>
-            <a:off x="8424907" y="4389383"/>
-            <a:ext cx="255973" cy="137085"/>
-          </a:xfrm>
-          <a:prstGeom prst="rect">
-            <a:avLst/>
-          </a:prstGeom>
-          <a:noFill/>
-          <a:ln w="28575">
-            <a:solidFill>
-              <a:srgbClr val="FF0000"/>
-            </a:solidFill>
-          </a:ln>
-        </p:spPr>
-        <p:style>
-          <a:lnRef idx="2">
-            <a:schemeClr val="accent1">
-              <a:shade val="50000"/>
-            </a:schemeClr>
-          </a:lnRef>
-          <a:fillRef idx="1">
-            <a:schemeClr val="accent1"/>
-          </a:fillRef>
-          <a:effectRef idx="0">
-            <a:schemeClr val="accent1"/>
-          </a:effectRef>
-          <a:fontRef idx="minor">
-            <a:schemeClr val="lt1"/>
-          </a:fontRef>
-        </p:style>
-        <p:txBody>
-          <a:bodyPr rtlCol="0" anchor="ctr"/>
-          <a:lstStyle/>
-          <a:p>
-            <a:pPr algn="ctr"/>
-            <a:endParaRPr lang="zh-CN" altLang="en-US" dirty="0"/>
-          </a:p>
-        </p:txBody>
-      </p:sp>
-      <p:sp>
-        <p:nvSpPr>
-          <p:cNvPr id="31" name="矩形 30">
-            <a:extLst>
-              <a:ext uri="{FF2B5EF4-FFF2-40B4-BE49-F238E27FC236}">
-                <a16:creationId xmlns:a16="http://schemas.microsoft.com/office/drawing/2014/main" id="{BE694D01-0D8C-4590-878C-2CD54361B683}"/>
-              </a:ext>
-            </a:extLst>
-          </p:cNvPr>
-          <p:cNvSpPr/>
-          <p:nvPr/>
-        </p:nvSpPr>
-        <p:spPr>
-          <a:xfrm>
-            <a:off x="8424907" y="4639102"/>
-            <a:ext cx="255973" cy="137085"/>
-          </a:xfrm>
-          <a:prstGeom prst="rect">
-            <a:avLst/>
-          </a:prstGeom>
-          <a:noFill/>
-          <a:ln w="28575">
-            <a:solidFill>
-              <a:srgbClr val="00B050"/>
-            </a:solidFill>
-          </a:ln>
-        </p:spPr>
-        <p:style>
-          <a:lnRef idx="2">
-            <a:schemeClr val="accent1">
-              <a:shade val="50000"/>
-            </a:schemeClr>
-          </a:lnRef>
-          <a:fillRef idx="1">
-            <a:schemeClr val="accent1"/>
-          </a:fillRef>
-          <a:effectRef idx="0">
-            <a:schemeClr val="accent1"/>
-          </a:effectRef>
-          <a:fontRef idx="minor">
-            <a:schemeClr val="lt1"/>
-          </a:fontRef>
-        </p:style>
-        <p:txBody>
-          <a:bodyPr rtlCol="0" anchor="ctr"/>
-          <a:lstStyle/>
-          <a:p>
-            <a:pPr algn="ctr"/>
-            <a:endParaRPr lang="zh-CN" altLang="en-US" dirty="0"/>
-          </a:p>
-        </p:txBody>
-      </p:sp>
-      <p:sp>
-        <p:nvSpPr>
-          <p:cNvPr id="32" name="矩形 31">
-            <a:extLst>
-              <a:ext uri="{FF2B5EF4-FFF2-40B4-BE49-F238E27FC236}">
-                <a16:creationId xmlns:a16="http://schemas.microsoft.com/office/drawing/2014/main" id="{09485651-DA2F-422D-B9C4-E1D8870AA390}"/>
-              </a:ext>
-            </a:extLst>
-          </p:cNvPr>
-          <p:cNvSpPr/>
-          <p:nvPr/>
-        </p:nvSpPr>
-        <p:spPr>
-          <a:xfrm>
-            <a:off x="8424907" y="5155008"/>
-            <a:ext cx="255973" cy="137085"/>
-          </a:xfrm>
-          <a:prstGeom prst="rect">
-            <a:avLst/>
-          </a:prstGeom>
-          <a:solidFill>
-            <a:srgbClr val="FFC000"/>
-          </a:solidFill>
-          <a:ln w="28575">
-            <a:solidFill>
-              <a:srgbClr val="FFC000"/>
-            </a:solidFill>
-          </a:ln>
-        </p:spPr>
-        <p:style>
-          <a:lnRef idx="2">
-            <a:schemeClr val="accent1">
-              <a:shade val="50000"/>
-            </a:schemeClr>
-          </a:lnRef>
-          <a:fillRef idx="1">
-            <a:schemeClr val="accent1"/>
-          </a:fillRef>
-          <a:effectRef idx="0">
-            <a:schemeClr val="accent1"/>
-          </a:effectRef>
-          <a:fontRef idx="minor">
-            <a:schemeClr val="lt1"/>
-          </a:fontRef>
-        </p:style>
-        <p:txBody>
-          <a:bodyPr rtlCol="0" anchor="ctr"/>
-          <a:lstStyle/>
-          <a:p>
-            <a:pPr algn="ctr"/>
-            <a:endParaRPr lang="zh-CN" altLang="en-US" dirty="0"/>
-          </a:p>
-        </p:txBody>
-      </p:sp>
-      <p:sp>
-        <p:nvSpPr>
-          <p:cNvPr id="33" name="文本框 32">
-            <a:extLst>
-              <a:ext uri="{FF2B5EF4-FFF2-40B4-BE49-F238E27FC236}">
-                <a16:creationId xmlns:a16="http://schemas.microsoft.com/office/drawing/2014/main" id="{4E89CA47-7DCA-4AD9-B00F-EA9B02AF97BC}"/>
-              </a:ext>
-            </a:extLst>
-          </p:cNvPr>
-          <p:cNvSpPr txBox="1"/>
-          <p:nvPr/>
-        </p:nvSpPr>
-        <p:spPr>
-          <a:xfrm>
-            <a:off x="8790372" y="4815741"/>
-            <a:ext cx="2081079" cy="276999"/>
-          </a:xfrm>
-          <a:prstGeom prst="rect">
-            <a:avLst/>
-          </a:prstGeom>
-          <a:noFill/>
-        </p:spPr>
-        <p:txBody>
-          <a:bodyPr wrap="square" rtlCol="0">
-            <a:spAutoFit/>
-          </a:bodyPr>
-          <a:lstStyle/>
-          <a:p>
-            <a:r>
-              <a:rPr lang="en-US" altLang="zh-CN" sz="1200" dirty="0">
-                <a:latin typeface="Times New Roman" panose="02020603050405020304" pitchFamily="18" charset="0"/>
-                <a:ea typeface="华文中宋" panose="02010600040101010101" pitchFamily="2" charset="-122"/>
-                <a:cs typeface="Times New Roman" panose="02020603050405020304" pitchFamily="18" charset="0"/>
-              </a:rPr>
-              <a:t>A</a:t>
-            </a:r>
-            <a:r>
-              <a:rPr lang="zh-CN" altLang="en-US" sz="1200" dirty="0">
-                <a:latin typeface="Times New Roman" panose="02020603050405020304" pitchFamily="18" charset="0"/>
-                <a:ea typeface="华文中宋" panose="02010600040101010101" pitchFamily="2" charset="-122"/>
-                <a:cs typeface="Times New Roman" panose="02020603050405020304" pitchFamily="18" charset="0"/>
-              </a:rPr>
-              <a:t>和</a:t>
-            </a:r>
-            <a:r>
-              <a:rPr lang="en-US" altLang="zh-CN" sz="1200" dirty="0">
-                <a:latin typeface="Times New Roman" panose="02020603050405020304" pitchFamily="18" charset="0"/>
-                <a:ea typeface="华文中宋" panose="02010600040101010101" pitchFamily="2" charset="-122"/>
-                <a:cs typeface="Times New Roman" panose="02020603050405020304" pitchFamily="18" charset="0"/>
-              </a:rPr>
-              <a:t>B</a:t>
-            </a:r>
-            <a:r>
-              <a:rPr lang="zh-CN" altLang="en-US" sz="1200" dirty="0">
-                <a:latin typeface="Times New Roman" panose="02020603050405020304" pitchFamily="18" charset="0"/>
-                <a:ea typeface="华文中宋" panose="02010600040101010101" pitchFamily="2" charset="-122"/>
-                <a:cs typeface="Times New Roman" panose="02020603050405020304" pitchFamily="18" charset="0"/>
-              </a:rPr>
-              <a:t>的最小外接矩形框：</a:t>
-            </a:r>
-            <a:r>
-              <a:rPr lang="en-US" altLang="zh-CN" sz="1200" dirty="0">
-                <a:latin typeface="Times New Roman" panose="02020603050405020304" pitchFamily="18" charset="0"/>
-                <a:ea typeface="华文中宋" panose="02010600040101010101" pitchFamily="2" charset="-122"/>
-                <a:cs typeface="Times New Roman" panose="02020603050405020304" pitchFamily="18" charset="0"/>
-              </a:rPr>
-              <a:t>C</a:t>
-            </a:r>
-            <a:endParaRPr lang="zh-CN" altLang="en-US" sz="1200" dirty="0">
-              <a:latin typeface="Times New Roman" panose="02020603050405020304" pitchFamily="18" charset="0"/>
-              <a:ea typeface="华文中宋" panose="02010600040101010101" pitchFamily="2" charset="-122"/>
-              <a:cs typeface="Times New Roman" panose="02020603050405020304" pitchFamily="18" charset="0"/>
-            </a:endParaRPr>
-          </a:p>
-        </p:txBody>
-      </p:sp>
-      <p:sp>
-        <p:nvSpPr>
-          <p:cNvPr id="34" name="文本框 33">
-            <a:extLst>
-              <a:ext uri="{FF2B5EF4-FFF2-40B4-BE49-F238E27FC236}">
-                <a16:creationId xmlns:a16="http://schemas.microsoft.com/office/drawing/2014/main" id="{838F7ABE-D724-4D79-8526-6602460C4058}"/>
-              </a:ext>
-            </a:extLst>
-          </p:cNvPr>
-          <p:cNvSpPr txBox="1"/>
-          <p:nvPr/>
-        </p:nvSpPr>
-        <p:spPr>
-          <a:xfrm>
-            <a:off x="8790372" y="5089109"/>
-            <a:ext cx="1204406" cy="276999"/>
-          </a:xfrm>
-          <a:prstGeom prst="rect">
-            <a:avLst/>
-          </a:prstGeom>
-          <a:noFill/>
-        </p:spPr>
-        <p:txBody>
-          <a:bodyPr wrap="square" rtlCol="0">
-            <a:spAutoFit/>
-          </a:bodyPr>
-          <a:lstStyle/>
-          <a:p>
-            <a:r>
-              <a:rPr lang="zh-CN" altLang="en-US" sz="1200" dirty="0">
-                <a:latin typeface="Times New Roman" panose="02020603050405020304" pitchFamily="18" charset="0"/>
-                <a:ea typeface="华文中宋" panose="02010600040101010101" pitchFamily="2" charset="-122"/>
-                <a:cs typeface="Times New Roman" panose="02020603050405020304" pitchFamily="18" charset="0"/>
-              </a:rPr>
-              <a:t>空白区域：</a:t>
-            </a:r>
-            <a:r>
-              <a:rPr lang="en-US" altLang="zh-CN" sz="1200" dirty="0">
-                <a:latin typeface="Times New Roman" panose="02020603050405020304" pitchFamily="18" charset="0"/>
-                <a:ea typeface="华文中宋" panose="02010600040101010101" pitchFamily="2" charset="-122"/>
-                <a:cs typeface="Times New Roman" panose="02020603050405020304" pitchFamily="18" charset="0"/>
-              </a:rPr>
-              <a:t>D</a:t>
-            </a:r>
-            <a:endParaRPr lang="zh-CN" altLang="en-US" sz="1200" dirty="0">
-              <a:latin typeface="Times New Roman" panose="02020603050405020304" pitchFamily="18" charset="0"/>
-              <a:ea typeface="华文中宋" panose="02010600040101010101" pitchFamily="2" charset="-122"/>
-              <a:cs typeface="Times New Roman" panose="02020603050405020304" pitchFamily="18" charset="0"/>
-            </a:endParaRPr>
+            <a:endParaRPr lang="zh-CN" altLang="en-US"/>
           </a:p>
         </p:txBody>
       </p:sp>
     </p:spTree>
     <p:extLst>
       <p:ext uri="{BB962C8B-B14F-4D97-AF65-F5344CB8AC3E}">
-        <p14:creationId xmlns:p14="http://schemas.microsoft.com/office/powerpoint/2010/main" val="1317782357"/>
+        <p14:creationId xmlns:p14="http://schemas.microsoft.com/office/powerpoint/2010/main" val="2227105544"/>
       </p:ext>
     </p:extLst>
   </p:cSld>
   <p:clrMapOvr>
     <a:masterClrMapping/>
   </p:clrMapOvr>
+  <p:timing>
+    <p:tnLst>
+      <p:par>
+        <p:cTn id="1" dur="indefinite" restart="never" nodeType="tmRoot"/>
+      </p:par>
+    </p:tnLst>
+  </p:timing>
 </p:sld>
 </file>
 
